--- a/Scratch/SignaalOpdracht.pptx
+++ b/Scratch/SignaalOpdracht.pptx
@@ -5,14 +5,15 @@
     <p:sldMasterId id="2147483660" r:id="rId1"/>
   </p:sldMasterIdLst>
   <p:notesMasterIdLst>
-    <p:notesMasterId r:id="rId7"/>
+    <p:notesMasterId r:id="rId8"/>
   </p:notesMasterIdLst>
   <p:sldIdLst>
     <p:sldId id="269" r:id="rId2"/>
     <p:sldId id="270" r:id="rId3"/>
     <p:sldId id="266" r:id="rId4"/>
-    <p:sldId id="271" r:id="rId5"/>
-    <p:sldId id="268" r:id="rId6"/>
+    <p:sldId id="272" r:id="rId5"/>
+    <p:sldId id="271" r:id="rId6"/>
+    <p:sldId id="268" r:id="rId7"/>
   </p:sldIdLst>
   <p:sldSz cx="9906000" cy="6858000" type="A4"/>
   <p:notesSz cx="6858000" cy="9144000"/>
@@ -11356,6 +11357,2931 @@
       </p:grpSpPr>
       <p:sp>
         <p:nvSpPr>
+          <p:cNvPr id="64" name="Afgeronde rechthoek 63">
+            <a:extLst>
+              <a:ext uri="{FF2B5EF4-FFF2-40B4-BE49-F238E27FC236}">
+                <a16:creationId xmlns:a16="http://schemas.microsoft.com/office/drawing/2014/main" id="{F93C7B4F-528B-6B47-8200-506E9C373185}"/>
+              </a:ext>
+            </a:extLst>
+          </p:cNvPr>
+          <p:cNvSpPr/>
+          <p:nvPr/>
+        </p:nvSpPr>
+        <p:spPr>
+          <a:xfrm>
+            <a:off x="0" y="-1729"/>
+            <a:ext cx="2466000" cy="1710000"/>
+          </a:xfrm>
+          <a:prstGeom prst="roundRect">
+            <a:avLst>
+              <a:gd name="adj" fmla="val 5578"/>
+            </a:avLst>
+          </a:prstGeom>
+          <a:solidFill>
+            <a:srgbClr val="5CA1C7"/>
+          </a:solidFill>
+          <a:ln>
+            <a:solidFill>
+              <a:schemeClr val="bg1"/>
+            </a:solidFill>
+          </a:ln>
+        </p:spPr>
+        <p:style>
+          <a:lnRef idx="2">
+            <a:schemeClr val="accent1">
+              <a:shade val="50000"/>
+            </a:schemeClr>
+          </a:lnRef>
+          <a:fillRef idx="1">
+            <a:schemeClr val="accent1"/>
+          </a:fillRef>
+          <a:effectRef idx="0">
+            <a:schemeClr val="accent1"/>
+          </a:effectRef>
+          <a:fontRef idx="minor">
+            <a:schemeClr val="lt1"/>
+          </a:fontRef>
+        </p:style>
+        <p:txBody>
+          <a:bodyPr rtlCol="0" anchor="t"/>
+          <a:lstStyle/>
+          <a:p>
+            <a:pPr algn="ctr"/>
+            <a:r>
+              <a:rPr lang="nl-NL" sz="1500" b="1" dirty="0">
+                <a:latin typeface="Bradley Hand ITC" panose="03070402050302030203" pitchFamily="66" charset="77"/>
+                <a:cs typeface="Jokerman" panose="020F0502020204030204" pitchFamily="34" charset="0"/>
+              </a:rPr>
+              <a:t>Signaal</a:t>
+            </a:r>
+          </a:p>
+        </p:txBody>
+      </p:sp>
+      <p:sp>
+        <p:nvSpPr>
+          <p:cNvPr id="65" name="Afgeronde rechthoek 64">
+            <a:extLst>
+              <a:ext uri="{FF2B5EF4-FFF2-40B4-BE49-F238E27FC236}">
+                <a16:creationId xmlns:a16="http://schemas.microsoft.com/office/drawing/2014/main" id="{2A06E83E-C37E-0245-901F-14608AE160AB}"/>
+              </a:ext>
+            </a:extLst>
+          </p:cNvPr>
+          <p:cNvSpPr/>
+          <p:nvPr/>
+        </p:nvSpPr>
+        <p:spPr>
+          <a:xfrm>
+            <a:off x="43200" y="358271"/>
+            <a:ext cx="2376000" cy="1260000"/>
+          </a:xfrm>
+          <a:prstGeom prst="roundRect">
+            <a:avLst>
+              <a:gd name="adj" fmla="val 5578"/>
+            </a:avLst>
+          </a:prstGeom>
+          <a:solidFill>
+            <a:srgbClr val="F9F9F9"/>
+          </a:solidFill>
+          <a:ln>
+            <a:noFill/>
+          </a:ln>
+        </p:spPr>
+        <p:style>
+          <a:lnRef idx="2">
+            <a:schemeClr val="accent1">
+              <a:shade val="50000"/>
+            </a:schemeClr>
+          </a:lnRef>
+          <a:fillRef idx="1">
+            <a:schemeClr val="accent1"/>
+          </a:fillRef>
+          <a:effectRef idx="0">
+            <a:schemeClr val="accent1"/>
+          </a:effectRef>
+          <a:fontRef idx="minor">
+            <a:schemeClr val="lt1"/>
+          </a:fontRef>
+        </p:style>
+        <p:txBody>
+          <a:bodyPr rtlCol="0" anchor="ctr"/>
+          <a:lstStyle/>
+          <a:p>
+            <a:pPr algn="ctr"/>
+            <a:endParaRPr lang="nl-NL"/>
+          </a:p>
+        </p:txBody>
+      </p:sp>
+      <p:sp>
+        <p:nvSpPr>
+          <p:cNvPr id="66" name="Afgeronde rechthoek 65">
+            <a:extLst>
+              <a:ext uri="{FF2B5EF4-FFF2-40B4-BE49-F238E27FC236}">
+                <a16:creationId xmlns:a16="http://schemas.microsoft.com/office/drawing/2014/main" id="{227AF852-A338-664A-9EDC-878F7294CB54}"/>
+              </a:ext>
+            </a:extLst>
+          </p:cNvPr>
+          <p:cNvSpPr/>
+          <p:nvPr/>
+        </p:nvSpPr>
+        <p:spPr>
+          <a:xfrm>
+            <a:off x="0" y="1706617"/>
+            <a:ext cx="2466000" cy="1711654"/>
+          </a:xfrm>
+          <a:prstGeom prst="roundRect">
+            <a:avLst>
+              <a:gd name="adj" fmla="val 5578"/>
+            </a:avLst>
+          </a:prstGeom>
+          <a:solidFill>
+            <a:srgbClr val="5CA1C7"/>
+          </a:solidFill>
+          <a:ln>
+            <a:solidFill>
+              <a:schemeClr val="bg1"/>
+            </a:solidFill>
+          </a:ln>
+        </p:spPr>
+        <p:style>
+          <a:lnRef idx="2">
+            <a:schemeClr val="accent1">
+              <a:shade val="50000"/>
+            </a:schemeClr>
+          </a:lnRef>
+          <a:fillRef idx="1">
+            <a:schemeClr val="accent1"/>
+          </a:fillRef>
+          <a:effectRef idx="0">
+            <a:schemeClr val="accent1"/>
+          </a:effectRef>
+          <a:fontRef idx="minor">
+            <a:schemeClr val="lt1"/>
+          </a:fontRef>
+        </p:style>
+        <p:txBody>
+          <a:bodyPr rtlCol="0" anchor="t"/>
+          <a:lstStyle/>
+          <a:p>
+            <a:pPr algn="ctr"/>
+            <a:r>
+              <a:rPr lang="nl-NL" sz="1500" b="1" dirty="0">
+                <a:latin typeface="Bradley Hand ITC" panose="03070402050302030203" pitchFamily="66" charset="77"/>
+                <a:cs typeface="Jokerman" panose="020F0502020204030204" pitchFamily="34" charset="0"/>
+              </a:rPr>
+              <a:t>Signaal</a:t>
+            </a:r>
+          </a:p>
+        </p:txBody>
+      </p:sp>
+      <p:sp>
+        <p:nvSpPr>
+          <p:cNvPr id="67" name="Afgeronde rechthoek 66">
+            <a:extLst>
+              <a:ext uri="{FF2B5EF4-FFF2-40B4-BE49-F238E27FC236}">
+                <a16:creationId xmlns:a16="http://schemas.microsoft.com/office/drawing/2014/main" id="{9DF06695-1740-6441-9F99-4C50D5C780BF}"/>
+              </a:ext>
+            </a:extLst>
+          </p:cNvPr>
+          <p:cNvSpPr/>
+          <p:nvPr/>
+        </p:nvSpPr>
+        <p:spPr>
+          <a:xfrm>
+            <a:off x="43200" y="2068271"/>
+            <a:ext cx="2376000" cy="1260000"/>
+          </a:xfrm>
+          <a:prstGeom prst="roundRect">
+            <a:avLst>
+              <a:gd name="adj" fmla="val 5578"/>
+            </a:avLst>
+          </a:prstGeom>
+          <a:solidFill>
+            <a:srgbClr val="F9F9F9"/>
+          </a:solidFill>
+          <a:ln>
+            <a:noFill/>
+          </a:ln>
+        </p:spPr>
+        <p:style>
+          <a:lnRef idx="2">
+            <a:schemeClr val="accent1">
+              <a:shade val="50000"/>
+            </a:schemeClr>
+          </a:lnRef>
+          <a:fillRef idx="1">
+            <a:schemeClr val="accent1"/>
+          </a:fillRef>
+          <a:effectRef idx="0">
+            <a:schemeClr val="accent1"/>
+          </a:effectRef>
+          <a:fontRef idx="minor">
+            <a:schemeClr val="lt1"/>
+          </a:fontRef>
+        </p:style>
+        <p:txBody>
+          <a:bodyPr rtlCol="0" anchor="ctr"/>
+          <a:lstStyle/>
+          <a:p>
+            <a:pPr algn="ctr"/>
+            <a:endParaRPr lang="nl-NL"/>
+          </a:p>
+        </p:txBody>
+      </p:sp>
+      <p:sp>
+        <p:nvSpPr>
+          <p:cNvPr id="71" name="Afgeronde rechthoek 70">
+            <a:extLst>
+              <a:ext uri="{FF2B5EF4-FFF2-40B4-BE49-F238E27FC236}">
+                <a16:creationId xmlns:a16="http://schemas.microsoft.com/office/drawing/2014/main" id="{306D077D-6DBA-814D-A3B2-4554347509CC}"/>
+              </a:ext>
+            </a:extLst>
+          </p:cNvPr>
+          <p:cNvSpPr>
+            <a:spLocks/>
+          </p:cNvSpPr>
+          <p:nvPr/>
+        </p:nvSpPr>
+        <p:spPr>
+          <a:xfrm>
+            <a:off x="246780" y="661827"/>
+            <a:ext cx="1972440" cy="684379"/>
+          </a:xfrm>
+          <a:prstGeom prst="roundRect">
+            <a:avLst>
+              <a:gd name="adj" fmla="val 50000"/>
+            </a:avLst>
+          </a:prstGeom>
+          <a:solidFill>
+            <a:srgbClr val="FF0000"/>
+          </a:solidFill>
+          <a:ln>
+            <a:solidFill>
+              <a:srgbClr val="3689B5"/>
+            </a:solidFill>
+          </a:ln>
+        </p:spPr>
+        <p:style>
+          <a:lnRef idx="2">
+            <a:schemeClr val="accent1">
+              <a:shade val="50000"/>
+            </a:schemeClr>
+          </a:lnRef>
+          <a:fillRef idx="1">
+            <a:schemeClr val="accent1"/>
+          </a:fillRef>
+          <a:effectRef idx="0">
+            <a:schemeClr val="accent1"/>
+          </a:effectRef>
+          <a:fontRef idx="minor">
+            <a:schemeClr val="lt1"/>
+          </a:fontRef>
+        </p:style>
+        <p:txBody>
+          <a:bodyPr wrap="none" rtlCol="0" anchor="ctr"/>
+          <a:lstStyle/>
+          <a:p>
+            <a:pPr algn="ctr"/>
+            <a:r>
+              <a:rPr lang="nl-NL" sz="2000" dirty="0">
+                <a:latin typeface="Arial" panose="020B0604020202020204" pitchFamily="34" charset="0"/>
+                <a:cs typeface="Arial" panose="020B0604020202020204" pitchFamily="34" charset="0"/>
+              </a:rPr>
+              <a:t>ROOD</a:t>
+            </a:r>
+          </a:p>
+        </p:txBody>
+      </p:sp>
+      <p:sp>
+        <p:nvSpPr>
+          <p:cNvPr id="119" name="Afgeronde rechthoek 118">
+            <a:extLst>
+              <a:ext uri="{FF2B5EF4-FFF2-40B4-BE49-F238E27FC236}">
+                <a16:creationId xmlns:a16="http://schemas.microsoft.com/office/drawing/2014/main" id="{3C88FBB9-426C-9E4B-BB5F-AA1DE7F9BFF7}"/>
+              </a:ext>
+            </a:extLst>
+          </p:cNvPr>
+          <p:cNvSpPr>
+            <a:spLocks/>
+          </p:cNvSpPr>
+          <p:nvPr/>
+        </p:nvSpPr>
+        <p:spPr>
+          <a:xfrm>
+            <a:off x="246780" y="2371827"/>
+            <a:ext cx="1972440" cy="684379"/>
+          </a:xfrm>
+          <a:prstGeom prst="roundRect">
+            <a:avLst>
+              <a:gd name="adj" fmla="val 50000"/>
+            </a:avLst>
+          </a:prstGeom>
+          <a:solidFill>
+            <a:srgbClr val="00C800"/>
+          </a:solidFill>
+          <a:ln>
+            <a:solidFill>
+              <a:srgbClr val="3689B5"/>
+            </a:solidFill>
+          </a:ln>
+        </p:spPr>
+        <p:style>
+          <a:lnRef idx="2">
+            <a:schemeClr val="accent1">
+              <a:shade val="50000"/>
+            </a:schemeClr>
+          </a:lnRef>
+          <a:fillRef idx="1">
+            <a:schemeClr val="accent1"/>
+          </a:fillRef>
+          <a:effectRef idx="0">
+            <a:schemeClr val="accent1"/>
+          </a:effectRef>
+          <a:fontRef idx="minor">
+            <a:schemeClr val="lt1"/>
+          </a:fontRef>
+        </p:style>
+        <p:txBody>
+          <a:bodyPr wrap="none" rtlCol="0" anchor="ctr"/>
+          <a:lstStyle/>
+          <a:p>
+            <a:pPr algn="ctr"/>
+            <a:r>
+              <a:rPr lang="nl-NL" sz="2000" dirty="0">
+                <a:latin typeface="Arial" panose="020B0604020202020204" pitchFamily="34" charset="0"/>
+                <a:cs typeface="Arial" panose="020B0604020202020204" pitchFamily="34" charset="0"/>
+              </a:rPr>
+              <a:t>GROEN</a:t>
+            </a:r>
+          </a:p>
+        </p:txBody>
+      </p:sp>
+      <p:sp>
+        <p:nvSpPr>
+          <p:cNvPr id="122" name="Afgeronde rechthoek 121">
+            <a:extLst>
+              <a:ext uri="{FF2B5EF4-FFF2-40B4-BE49-F238E27FC236}">
+                <a16:creationId xmlns:a16="http://schemas.microsoft.com/office/drawing/2014/main" id="{BA154443-107A-B34E-BAA5-BEC48925180B}"/>
+              </a:ext>
+            </a:extLst>
+          </p:cNvPr>
+          <p:cNvSpPr/>
+          <p:nvPr/>
+        </p:nvSpPr>
+        <p:spPr>
+          <a:xfrm>
+            <a:off x="2466000" y="0"/>
+            <a:ext cx="2466000" cy="1710000"/>
+          </a:xfrm>
+          <a:prstGeom prst="roundRect">
+            <a:avLst>
+              <a:gd name="adj" fmla="val 5578"/>
+            </a:avLst>
+          </a:prstGeom>
+          <a:solidFill>
+            <a:srgbClr val="5CA1C7"/>
+          </a:solidFill>
+          <a:ln>
+            <a:solidFill>
+              <a:schemeClr val="bg1"/>
+            </a:solidFill>
+          </a:ln>
+        </p:spPr>
+        <p:style>
+          <a:lnRef idx="2">
+            <a:schemeClr val="accent1">
+              <a:shade val="50000"/>
+            </a:schemeClr>
+          </a:lnRef>
+          <a:fillRef idx="1">
+            <a:schemeClr val="accent1"/>
+          </a:fillRef>
+          <a:effectRef idx="0">
+            <a:schemeClr val="accent1"/>
+          </a:effectRef>
+          <a:fontRef idx="minor">
+            <a:schemeClr val="lt1"/>
+          </a:fontRef>
+        </p:style>
+        <p:txBody>
+          <a:bodyPr rtlCol="0" anchor="t"/>
+          <a:lstStyle/>
+          <a:p>
+            <a:pPr algn="ctr"/>
+            <a:r>
+              <a:rPr lang="nl-NL" sz="1500" b="1" dirty="0">
+                <a:latin typeface="Bradley Hand ITC" panose="03070402050302030203" pitchFamily="66" charset="77"/>
+                <a:cs typeface="Jokerman" panose="020F0502020204030204" pitchFamily="34" charset="0"/>
+              </a:rPr>
+              <a:t>Signaal</a:t>
+            </a:r>
+          </a:p>
+        </p:txBody>
+      </p:sp>
+      <p:sp>
+        <p:nvSpPr>
+          <p:cNvPr id="123" name="Afgeronde rechthoek 122">
+            <a:extLst>
+              <a:ext uri="{FF2B5EF4-FFF2-40B4-BE49-F238E27FC236}">
+                <a16:creationId xmlns:a16="http://schemas.microsoft.com/office/drawing/2014/main" id="{3AB8AE34-679E-DE4C-8AFF-07C13171AA30}"/>
+              </a:ext>
+            </a:extLst>
+          </p:cNvPr>
+          <p:cNvSpPr/>
+          <p:nvPr/>
+        </p:nvSpPr>
+        <p:spPr>
+          <a:xfrm>
+            <a:off x="2509200" y="360000"/>
+            <a:ext cx="2376000" cy="1260000"/>
+          </a:xfrm>
+          <a:prstGeom prst="roundRect">
+            <a:avLst>
+              <a:gd name="adj" fmla="val 5578"/>
+            </a:avLst>
+          </a:prstGeom>
+          <a:solidFill>
+            <a:srgbClr val="F9F9F9"/>
+          </a:solidFill>
+          <a:ln>
+            <a:noFill/>
+          </a:ln>
+        </p:spPr>
+        <p:style>
+          <a:lnRef idx="2">
+            <a:schemeClr val="accent1">
+              <a:shade val="50000"/>
+            </a:schemeClr>
+          </a:lnRef>
+          <a:fillRef idx="1">
+            <a:schemeClr val="accent1"/>
+          </a:fillRef>
+          <a:effectRef idx="0">
+            <a:schemeClr val="accent1"/>
+          </a:effectRef>
+          <a:fontRef idx="minor">
+            <a:schemeClr val="lt1"/>
+          </a:fontRef>
+        </p:style>
+        <p:txBody>
+          <a:bodyPr rtlCol="0" anchor="ctr"/>
+          <a:lstStyle/>
+          <a:p>
+            <a:pPr algn="ctr"/>
+            <a:endParaRPr lang="nl-NL"/>
+          </a:p>
+        </p:txBody>
+      </p:sp>
+      <p:sp>
+        <p:nvSpPr>
+          <p:cNvPr id="124" name="Afgeronde rechthoek 123">
+            <a:extLst>
+              <a:ext uri="{FF2B5EF4-FFF2-40B4-BE49-F238E27FC236}">
+                <a16:creationId xmlns:a16="http://schemas.microsoft.com/office/drawing/2014/main" id="{B5CD20A9-50BB-1147-982D-008D5F41089C}"/>
+              </a:ext>
+            </a:extLst>
+          </p:cNvPr>
+          <p:cNvSpPr/>
+          <p:nvPr/>
+        </p:nvSpPr>
+        <p:spPr>
+          <a:xfrm>
+            <a:off x="2466000" y="1708346"/>
+            <a:ext cx="2466000" cy="1711654"/>
+          </a:xfrm>
+          <a:prstGeom prst="roundRect">
+            <a:avLst>
+              <a:gd name="adj" fmla="val 5578"/>
+            </a:avLst>
+          </a:prstGeom>
+          <a:solidFill>
+            <a:srgbClr val="5CA1C7"/>
+          </a:solidFill>
+          <a:ln>
+            <a:solidFill>
+              <a:schemeClr val="bg1"/>
+            </a:solidFill>
+          </a:ln>
+        </p:spPr>
+        <p:style>
+          <a:lnRef idx="2">
+            <a:schemeClr val="accent1">
+              <a:shade val="50000"/>
+            </a:schemeClr>
+          </a:lnRef>
+          <a:fillRef idx="1">
+            <a:schemeClr val="accent1"/>
+          </a:fillRef>
+          <a:effectRef idx="0">
+            <a:schemeClr val="accent1"/>
+          </a:effectRef>
+          <a:fontRef idx="minor">
+            <a:schemeClr val="lt1"/>
+          </a:fontRef>
+        </p:style>
+        <p:txBody>
+          <a:bodyPr rtlCol="0" anchor="t"/>
+          <a:lstStyle/>
+          <a:p>
+            <a:pPr algn="ctr"/>
+            <a:r>
+              <a:rPr lang="nl-NL" sz="1500" b="1" dirty="0">
+                <a:latin typeface="Bradley Hand ITC" panose="03070402050302030203" pitchFamily="66" charset="77"/>
+                <a:cs typeface="Jokerman" panose="020F0502020204030204" pitchFamily="34" charset="0"/>
+              </a:rPr>
+              <a:t>Signaal</a:t>
+            </a:r>
+          </a:p>
+        </p:txBody>
+      </p:sp>
+      <p:sp>
+        <p:nvSpPr>
+          <p:cNvPr id="125" name="Afgeronde rechthoek 124">
+            <a:extLst>
+              <a:ext uri="{FF2B5EF4-FFF2-40B4-BE49-F238E27FC236}">
+                <a16:creationId xmlns:a16="http://schemas.microsoft.com/office/drawing/2014/main" id="{98FC30BC-A2C3-A04B-9843-8616870C5D52}"/>
+              </a:ext>
+            </a:extLst>
+          </p:cNvPr>
+          <p:cNvSpPr/>
+          <p:nvPr/>
+        </p:nvSpPr>
+        <p:spPr>
+          <a:xfrm>
+            <a:off x="2509200" y="2070000"/>
+            <a:ext cx="2376000" cy="1260000"/>
+          </a:xfrm>
+          <a:prstGeom prst="roundRect">
+            <a:avLst>
+              <a:gd name="adj" fmla="val 5578"/>
+            </a:avLst>
+          </a:prstGeom>
+          <a:solidFill>
+            <a:srgbClr val="F9F9F9"/>
+          </a:solidFill>
+          <a:ln>
+            <a:noFill/>
+          </a:ln>
+        </p:spPr>
+        <p:style>
+          <a:lnRef idx="2">
+            <a:schemeClr val="accent1">
+              <a:shade val="50000"/>
+            </a:schemeClr>
+          </a:lnRef>
+          <a:fillRef idx="1">
+            <a:schemeClr val="accent1"/>
+          </a:fillRef>
+          <a:effectRef idx="0">
+            <a:schemeClr val="accent1"/>
+          </a:effectRef>
+          <a:fontRef idx="minor">
+            <a:schemeClr val="lt1"/>
+          </a:fontRef>
+        </p:style>
+        <p:txBody>
+          <a:bodyPr rtlCol="0" anchor="ctr"/>
+          <a:lstStyle/>
+          <a:p>
+            <a:pPr algn="ctr"/>
+            <a:endParaRPr lang="nl-NL"/>
+          </a:p>
+        </p:txBody>
+      </p:sp>
+      <p:sp>
+        <p:nvSpPr>
+          <p:cNvPr id="128" name="Afgeronde rechthoek 127">
+            <a:extLst>
+              <a:ext uri="{FF2B5EF4-FFF2-40B4-BE49-F238E27FC236}">
+                <a16:creationId xmlns:a16="http://schemas.microsoft.com/office/drawing/2014/main" id="{F1E906C9-392F-D946-B2AB-0672B0A267B9}"/>
+              </a:ext>
+            </a:extLst>
+          </p:cNvPr>
+          <p:cNvSpPr>
+            <a:spLocks/>
+          </p:cNvSpPr>
+          <p:nvPr/>
+        </p:nvSpPr>
+        <p:spPr>
+          <a:xfrm>
+            <a:off x="2712780" y="663556"/>
+            <a:ext cx="1972440" cy="684379"/>
+          </a:xfrm>
+          <a:prstGeom prst="roundRect">
+            <a:avLst>
+              <a:gd name="adj" fmla="val 50000"/>
+            </a:avLst>
+          </a:prstGeom>
+          <a:solidFill>
+            <a:srgbClr val="0000FF"/>
+          </a:solidFill>
+          <a:ln>
+            <a:solidFill>
+              <a:srgbClr val="3689B5"/>
+            </a:solidFill>
+          </a:ln>
+        </p:spPr>
+        <p:style>
+          <a:lnRef idx="2">
+            <a:schemeClr val="accent1">
+              <a:shade val="50000"/>
+            </a:schemeClr>
+          </a:lnRef>
+          <a:fillRef idx="1">
+            <a:schemeClr val="accent1"/>
+          </a:fillRef>
+          <a:effectRef idx="0">
+            <a:schemeClr val="accent1"/>
+          </a:effectRef>
+          <a:fontRef idx="minor">
+            <a:schemeClr val="lt1"/>
+          </a:fontRef>
+        </p:style>
+        <p:txBody>
+          <a:bodyPr wrap="none" rtlCol="0" anchor="ctr"/>
+          <a:lstStyle/>
+          <a:p>
+            <a:pPr algn="ctr"/>
+            <a:r>
+              <a:rPr lang="nl-NL" sz="2000" dirty="0">
+                <a:latin typeface="Arial" panose="020B0604020202020204" pitchFamily="34" charset="0"/>
+                <a:cs typeface="Arial" panose="020B0604020202020204" pitchFamily="34" charset="0"/>
+              </a:rPr>
+              <a:t>BLAUW</a:t>
+            </a:r>
+          </a:p>
+        </p:txBody>
+      </p:sp>
+      <p:sp>
+        <p:nvSpPr>
+          <p:cNvPr id="131" name="Afgeronde rechthoek 130">
+            <a:extLst>
+              <a:ext uri="{FF2B5EF4-FFF2-40B4-BE49-F238E27FC236}">
+                <a16:creationId xmlns:a16="http://schemas.microsoft.com/office/drawing/2014/main" id="{29519460-C6D6-FF45-9EEF-93AFFE52690F}"/>
+              </a:ext>
+            </a:extLst>
+          </p:cNvPr>
+          <p:cNvSpPr>
+            <a:spLocks/>
+          </p:cNvSpPr>
+          <p:nvPr/>
+        </p:nvSpPr>
+        <p:spPr>
+          <a:xfrm>
+            <a:off x="2712780" y="2373556"/>
+            <a:ext cx="1972440" cy="684379"/>
+          </a:xfrm>
+          <a:prstGeom prst="roundRect">
+            <a:avLst>
+              <a:gd name="adj" fmla="val 50000"/>
+            </a:avLst>
+          </a:prstGeom>
+          <a:solidFill>
+            <a:srgbClr val="F4B136"/>
+          </a:solidFill>
+          <a:ln>
+            <a:solidFill>
+              <a:srgbClr val="3689B5"/>
+            </a:solidFill>
+          </a:ln>
+        </p:spPr>
+        <p:style>
+          <a:lnRef idx="2">
+            <a:schemeClr val="accent1">
+              <a:shade val="50000"/>
+            </a:schemeClr>
+          </a:lnRef>
+          <a:fillRef idx="1">
+            <a:schemeClr val="accent1"/>
+          </a:fillRef>
+          <a:effectRef idx="0">
+            <a:schemeClr val="accent1"/>
+          </a:effectRef>
+          <a:fontRef idx="minor">
+            <a:schemeClr val="lt1"/>
+          </a:fontRef>
+        </p:style>
+        <p:txBody>
+          <a:bodyPr wrap="none" rtlCol="0" anchor="ctr"/>
+          <a:lstStyle/>
+          <a:p>
+            <a:pPr algn="ctr"/>
+            <a:r>
+              <a:rPr lang="nl-NL" sz="2000" dirty="0">
+                <a:latin typeface="Arial" panose="020B0604020202020204" pitchFamily="34" charset="0"/>
+                <a:cs typeface="Arial" panose="020B0604020202020204" pitchFamily="34" charset="0"/>
+              </a:rPr>
+              <a:t>ORANJE</a:t>
+            </a:r>
+          </a:p>
+        </p:txBody>
+      </p:sp>
+      <p:sp>
+        <p:nvSpPr>
+          <p:cNvPr id="133" name="Afgeronde rechthoek 132">
+            <a:extLst>
+              <a:ext uri="{FF2B5EF4-FFF2-40B4-BE49-F238E27FC236}">
+                <a16:creationId xmlns:a16="http://schemas.microsoft.com/office/drawing/2014/main" id="{FD99DD9D-F8F0-AC47-92FA-A2BDC00DD2B7}"/>
+              </a:ext>
+            </a:extLst>
+          </p:cNvPr>
+          <p:cNvSpPr/>
+          <p:nvPr/>
+        </p:nvSpPr>
+        <p:spPr>
+          <a:xfrm>
+            <a:off x="4932000" y="0"/>
+            <a:ext cx="2466000" cy="1710000"/>
+          </a:xfrm>
+          <a:prstGeom prst="roundRect">
+            <a:avLst>
+              <a:gd name="adj" fmla="val 5578"/>
+            </a:avLst>
+          </a:prstGeom>
+          <a:solidFill>
+            <a:srgbClr val="5CA1C7"/>
+          </a:solidFill>
+          <a:ln>
+            <a:solidFill>
+              <a:schemeClr val="bg1"/>
+            </a:solidFill>
+          </a:ln>
+        </p:spPr>
+        <p:style>
+          <a:lnRef idx="2">
+            <a:schemeClr val="accent1">
+              <a:shade val="50000"/>
+            </a:schemeClr>
+          </a:lnRef>
+          <a:fillRef idx="1">
+            <a:schemeClr val="accent1"/>
+          </a:fillRef>
+          <a:effectRef idx="0">
+            <a:schemeClr val="accent1"/>
+          </a:effectRef>
+          <a:fontRef idx="minor">
+            <a:schemeClr val="lt1"/>
+          </a:fontRef>
+        </p:style>
+        <p:txBody>
+          <a:bodyPr rtlCol="0" anchor="t"/>
+          <a:lstStyle/>
+          <a:p>
+            <a:pPr algn="ctr"/>
+            <a:r>
+              <a:rPr lang="nl-NL" sz="1500" b="1" dirty="0">
+                <a:latin typeface="Bradley Hand ITC" panose="03070402050302030203" pitchFamily="66" charset="77"/>
+                <a:cs typeface="Jokerman" panose="020F0502020204030204" pitchFamily="34" charset="0"/>
+              </a:rPr>
+              <a:t>Signaal</a:t>
+            </a:r>
+          </a:p>
+        </p:txBody>
+      </p:sp>
+      <p:sp>
+        <p:nvSpPr>
+          <p:cNvPr id="134" name="Afgeronde rechthoek 133">
+            <a:extLst>
+              <a:ext uri="{FF2B5EF4-FFF2-40B4-BE49-F238E27FC236}">
+                <a16:creationId xmlns:a16="http://schemas.microsoft.com/office/drawing/2014/main" id="{99A56855-F2AA-B449-BFE7-D99A867D7764}"/>
+              </a:ext>
+            </a:extLst>
+          </p:cNvPr>
+          <p:cNvSpPr/>
+          <p:nvPr/>
+        </p:nvSpPr>
+        <p:spPr>
+          <a:xfrm>
+            <a:off x="4975200" y="360000"/>
+            <a:ext cx="2376000" cy="1260000"/>
+          </a:xfrm>
+          <a:prstGeom prst="roundRect">
+            <a:avLst>
+              <a:gd name="adj" fmla="val 5578"/>
+            </a:avLst>
+          </a:prstGeom>
+          <a:solidFill>
+            <a:srgbClr val="F9F9F9"/>
+          </a:solidFill>
+          <a:ln>
+            <a:noFill/>
+          </a:ln>
+        </p:spPr>
+        <p:style>
+          <a:lnRef idx="2">
+            <a:schemeClr val="accent1">
+              <a:shade val="50000"/>
+            </a:schemeClr>
+          </a:lnRef>
+          <a:fillRef idx="1">
+            <a:schemeClr val="accent1"/>
+          </a:fillRef>
+          <a:effectRef idx="0">
+            <a:schemeClr val="accent1"/>
+          </a:effectRef>
+          <a:fontRef idx="minor">
+            <a:schemeClr val="lt1"/>
+          </a:fontRef>
+        </p:style>
+        <p:txBody>
+          <a:bodyPr rtlCol="0" anchor="ctr"/>
+          <a:lstStyle/>
+          <a:p>
+            <a:pPr algn="ctr"/>
+            <a:endParaRPr lang="nl-NL"/>
+          </a:p>
+        </p:txBody>
+      </p:sp>
+      <p:sp>
+        <p:nvSpPr>
+          <p:cNvPr id="135" name="Afgeronde rechthoek 134">
+            <a:extLst>
+              <a:ext uri="{FF2B5EF4-FFF2-40B4-BE49-F238E27FC236}">
+                <a16:creationId xmlns:a16="http://schemas.microsoft.com/office/drawing/2014/main" id="{EE569D62-A5F2-4B48-AA27-B454C528577E}"/>
+              </a:ext>
+            </a:extLst>
+          </p:cNvPr>
+          <p:cNvSpPr/>
+          <p:nvPr/>
+        </p:nvSpPr>
+        <p:spPr>
+          <a:xfrm>
+            <a:off x="4932000" y="1708346"/>
+            <a:ext cx="2466000" cy="1711654"/>
+          </a:xfrm>
+          <a:prstGeom prst="roundRect">
+            <a:avLst>
+              <a:gd name="adj" fmla="val 5578"/>
+            </a:avLst>
+          </a:prstGeom>
+          <a:solidFill>
+            <a:srgbClr val="5CA1C7"/>
+          </a:solidFill>
+          <a:ln>
+            <a:solidFill>
+              <a:schemeClr val="bg1"/>
+            </a:solidFill>
+          </a:ln>
+        </p:spPr>
+        <p:style>
+          <a:lnRef idx="2">
+            <a:schemeClr val="accent1">
+              <a:shade val="50000"/>
+            </a:schemeClr>
+          </a:lnRef>
+          <a:fillRef idx="1">
+            <a:schemeClr val="accent1"/>
+          </a:fillRef>
+          <a:effectRef idx="0">
+            <a:schemeClr val="accent1"/>
+          </a:effectRef>
+          <a:fontRef idx="minor">
+            <a:schemeClr val="lt1"/>
+          </a:fontRef>
+        </p:style>
+        <p:txBody>
+          <a:bodyPr rtlCol="0" anchor="t"/>
+          <a:lstStyle/>
+          <a:p>
+            <a:pPr algn="ctr"/>
+            <a:r>
+              <a:rPr lang="nl-NL" sz="1500" b="1" dirty="0">
+                <a:latin typeface="Bradley Hand ITC" panose="03070402050302030203" pitchFamily="66" charset="77"/>
+                <a:cs typeface="Jokerman" panose="020F0502020204030204" pitchFamily="34" charset="0"/>
+              </a:rPr>
+              <a:t>Signaal</a:t>
+            </a:r>
+          </a:p>
+        </p:txBody>
+      </p:sp>
+      <p:sp>
+        <p:nvSpPr>
+          <p:cNvPr id="136" name="Afgeronde rechthoek 135">
+            <a:extLst>
+              <a:ext uri="{FF2B5EF4-FFF2-40B4-BE49-F238E27FC236}">
+                <a16:creationId xmlns:a16="http://schemas.microsoft.com/office/drawing/2014/main" id="{9A75A99E-6690-F046-B2D8-760009747254}"/>
+              </a:ext>
+            </a:extLst>
+          </p:cNvPr>
+          <p:cNvSpPr/>
+          <p:nvPr/>
+        </p:nvSpPr>
+        <p:spPr>
+          <a:xfrm>
+            <a:off x="4975200" y="2070000"/>
+            <a:ext cx="2376000" cy="1260000"/>
+          </a:xfrm>
+          <a:prstGeom prst="roundRect">
+            <a:avLst>
+              <a:gd name="adj" fmla="val 5578"/>
+            </a:avLst>
+          </a:prstGeom>
+          <a:solidFill>
+            <a:srgbClr val="F9F9F9"/>
+          </a:solidFill>
+          <a:ln>
+            <a:noFill/>
+          </a:ln>
+        </p:spPr>
+        <p:style>
+          <a:lnRef idx="2">
+            <a:schemeClr val="accent1">
+              <a:shade val="50000"/>
+            </a:schemeClr>
+          </a:lnRef>
+          <a:fillRef idx="1">
+            <a:schemeClr val="accent1"/>
+          </a:fillRef>
+          <a:effectRef idx="0">
+            <a:schemeClr val="accent1"/>
+          </a:effectRef>
+          <a:fontRef idx="minor">
+            <a:schemeClr val="lt1"/>
+          </a:fontRef>
+        </p:style>
+        <p:txBody>
+          <a:bodyPr rtlCol="0" anchor="ctr"/>
+          <a:lstStyle/>
+          <a:p>
+            <a:pPr algn="ctr"/>
+            <a:endParaRPr lang="nl-NL"/>
+          </a:p>
+        </p:txBody>
+      </p:sp>
+      <p:sp>
+        <p:nvSpPr>
+          <p:cNvPr id="139" name="Afgeronde rechthoek 138">
+            <a:extLst>
+              <a:ext uri="{FF2B5EF4-FFF2-40B4-BE49-F238E27FC236}">
+                <a16:creationId xmlns:a16="http://schemas.microsoft.com/office/drawing/2014/main" id="{A24A38D3-25FF-2C4C-8EFD-F201F7F86826}"/>
+              </a:ext>
+            </a:extLst>
+          </p:cNvPr>
+          <p:cNvSpPr>
+            <a:spLocks/>
+          </p:cNvSpPr>
+          <p:nvPr/>
+        </p:nvSpPr>
+        <p:spPr>
+          <a:xfrm>
+            <a:off x="5178780" y="663556"/>
+            <a:ext cx="1972440" cy="684379"/>
+          </a:xfrm>
+          <a:prstGeom prst="roundRect">
+            <a:avLst>
+              <a:gd name="adj" fmla="val 50000"/>
+            </a:avLst>
+          </a:prstGeom>
+          <a:solidFill>
+            <a:schemeClr val="tx1"/>
+          </a:solidFill>
+          <a:ln>
+            <a:solidFill>
+              <a:srgbClr val="3689B5"/>
+            </a:solidFill>
+          </a:ln>
+        </p:spPr>
+        <p:style>
+          <a:lnRef idx="2">
+            <a:schemeClr val="accent1">
+              <a:shade val="50000"/>
+            </a:schemeClr>
+          </a:lnRef>
+          <a:fillRef idx="1">
+            <a:schemeClr val="accent1"/>
+          </a:fillRef>
+          <a:effectRef idx="0">
+            <a:schemeClr val="accent1"/>
+          </a:effectRef>
+          <a:fontRef idx="minor">
+            <a:schemeClr val="lt1"/>
+          </a:fontRef>
+        </p:style>
+        <p:txBody>
+          <a:bodyPr wrap="none" rtlCol="0" anchor="ctr"/>
+          <a:lstStyle/>
+          <a:p>
+            <a:pPr algn="ctr"/>
+            <a:r>
+              <a:rPr lang="nl-NL" sz="2000" dirty="0">
+                <a:latin typeface="Arial" panose="020B0604020202020204" pitchFamily="34" charset="0"/>
+                <a:cs typeface="Arial" panose="020B0604020202020204" pitchFamily="34" charset="0"/>
+              </a:rPr>
+              <a:t>ZWART</a:t>
+            </a:r>
+          </a:p>
+        </p:txBody>
+      </p:sp>
+      <p:sp>
+        <p:nvSpPr>
+          <p:cNvPr id="142" name="Afgeronde rechthoek 141">
+            <a:extLst>
+              <a:ext uri="{FF2B5EF4-FFF2-40B4-BE49-F238E27FC236}">
+                <a16:creationId xmlns:a16="http://schemas.microsoft.com/office/drawing/2014/main" id="{0DD35E99-2EA8-3841-A830-6C72F384EE20}"/>
+              </a:ext>
+            </a:extLst>
+          </p:cNvPr>
+          <p:cNvSpPr>
+            <a:spLocks/>
+          </p:cNvSpPr>
+          <p:nvPr/>
+        </p:nvSpPr>
+        <p:spPr>
+          <a:xfrm>
+            <a:off x="5178780" y="2373556"/>
+            <a:ext cx="1972440" cy="684379"/>
+          </a:xfrm>
+          <a:prstGeom prst="roundRect">
+            <a:avLst>
+              <a:gd name="adj" fmla="val 50000"/>
+            </a:avLst>
+          </a:prstGeom>
+          <a:solidFill>
+            <a:srgbClr val="7030A0"/>
+          </a:solidFill>
+          <a:ln>
+            <a:solidFill>
+              <a:srgbClr val="3689B5"/>
+            </a:solidFill>
+          </a:ln>
+        </p:spPr>
+        <p:style>
+          <a:lnRef idx="2">
+            <a:schemeClr val="accent1">
+              <a:shade val="50000"/>
+            </a:schemeClr>
+          </a:lnRef>
+          <a:fillRef idx="1">
+            <a:schemeClr val="accent1"/>
+          </a:fillRef>
+          <a:effectRef idx="0">
+            <a:schemeClr val="accent1"/>
+          </a:effectRef>
+          <a:fontRef idx="minor">
+            <a:schemeClr val="lt1"/>
+          </a:fontRef>
+        </p:style>
+        <p:txBody>
+          <a:bodyPr wrap="none" rtlCol="0" anchor="ctr"/>
+          <a:lstStyle/>
+          <a:p>
+            <a:pPr algn="ctr"/>
+            <a:r>
+              <a:rPr lang="nl-NL" sz="2000" dirty="0">
+                <a:latin typeface="Arial" panose="020B0604020202020204" pitchFamily="34" charset="0"/>
+                <a:cs typeface="Arial" panose="020B0604020202020204" pitchFamily="34" charset="0"/>
+              </a:rPr>
+              <a:t>PAARS</a:t>
+            </a:r>
+          </a:p>
+        </p:txBody>
+      </p:sp>
+      <p:sp>
+        <p:nvSpPr>
+          <p:cNvPr id="144" name="Afgeronde rechthoek 143">
+            <a:extLst>
+              <a:ext uri="{FF2B5EF4-FFF2-40B4-BE49-F238E27FC236}">
+                <a16:creationId xmlns:a16="http://schemas.microsoft.com/office/drawing/2014/main" id="{A4B0F455-075C-F645-858A-8AE06F91867C}"/>
+              </a:ext>
+            </a:extLst>
+          </p:cNvPr>
+          <p:cNvSpPr/>
+          <p:nvPr/>
+        </p:nvSpPr>
+        <p:spPr>
+          <a:xfrm>
+            <a:off x="7396200" y="168"/>
+            <a:ext cx="2466000" cy="1710000"/>
+          </a:xfrm>
+          <a:prstGeom prst="roundRect">
+            <a:avLst>
+              <a:gd name="adj" fmla="val 5578"/>
+            </a:avLst>
+          </a:prstGeom>
+          <a:solidFill>
+            <a:srgbClr val="5CA1C7"/>
+          </a:solidFill>
+          <a:ln>
+            <a:solidFill>
+              <a:schemeClr val="bg1"/>
+            </a:solidFill>
+          </a:ln>
+        </p:spPr>
+        <p:style>
+          <a:lnRef idx="2">
+            <a:schemeClr val="accent1">
+              <a:shade val="50000"/>
+            </a:schemeClr>
+          </a:lnRef>
+          <a:fillRef idx="1">
+            <a:schemeClr val="accent1"/>
+          </a:fillRef>
+          <a:effectRef idx="0">
+            <a:schemeClr val="accent1"/>
+          </a:effectRef>
+          <a:fontRef idx="minor">
+            <a:schemeClr val="lt1"/>
+          </a:fontRef>
+        </p:style>
+        <p:txBody>
+          <a:bodyPr rtlCol="0" anchor="t"/>
+          <a:lstStyle/>
+          <a:p>
+            <a:pPr algn="ctr"/>
+            <a:r>
+              <a:rPr lang="nl-NL" sz="1500" b="1" dirty="0">
+                <a:latin typeface="Bradley Hand ITC" panose="03070402050302030203" pitchFamily="66" charset="77"/>
+                <a:cs typeface="Jokerman" panose="020F0502020204030204" pitchFamily="34" charset="0"/>
+              </a:rPr>
+              <a:t>Signaal</a:t>
+            </a:r>
+          </a:p>
+        </p:txBody>
+      </p:sp>
+      <p:sp>
+        <p:nvSpPr>
+          <p:cNvPr id="145" name="Afgeronde rechthoek 144">
+            <a:extLst>
+              <a:ext uri="{FF2B5EF4-FFF2-40B4-BE49-F238E27FC236}">
+                <a16:creationId xmlns:a16="http://schemas.microsoft.com/office/drawing/2014/main" id="{04E375B0-D285-EA40-8C4D-A05DBFE900F9}"/>
+              </a:ext>
+            </a:extLst>
+          </p:cNvPr>
+          <p:cNvSpPr/>
+          <p:nvPr/>
+        </p:nvSpPr>
+        <p:spPr>
+          <a:xfrm>
+            <a:off x="7439400" y="360168"/>
+            <a:ext cx="2376000" cy="1260000"/>
+          </a:xfrm>
+          <a:prstGeom prst="roundRect">
+            <a:avLst>
+              <a:gd name="adj" fmla="val 5578"/>
+            </a:avLst>
+          </a:prstGeom>
+          <a:solidFill>
+            <a:srgbClr val="F9F9F9"/>
+          </a:solidFill>
+          <a:ln>
+            <a:noFill/>
+          </a:ln>
+        </p:spPr>
+        <p:style>
+          <a:lnRef idx="2">
+            <a:schemeClr val="accent1">
+              <a:shade val="50000"/>
+            </a:schemeClr>
+          </a:lnRef>
+          <a:fillRef idx="1">
+            <a:schemeClr val="accent1"/>
+          </a:fillRef>
+          <a:effectRef idx="0">
+            <a:schemeClr val="accent1"/>
+          </a:effectRef>
+          <a:fontRef idx="minor">
+            <a:schemeClr val="lt1"/>
+          </a:fontRef>
+        </p:style>
+        <p:txBody>
+          <a:bodyPr rtlCol="0" anchor="ctr"/>
+          <a:lstStyle/>
+          <a:p>
+            <a:pPr algn="ctr"/>
+            <a:endParaRPr lang="nl-NL"/>
+          </a:p>
+        </p:txBody>
+      </p:sp>
+      <p:sp>
+        <p:nvSpPr>
+          <p:cNvPr id="146" name="Afgeronde rechthoek 145">
+            <a:extLst>
+              <a:ext uri="{FF2B5EF4-FFF2-40B4-BE49-F238E27FC236}">
+                <a16:creationId xmlns:a16="http://schemas.microsoft.com/office/drawing/2014/main" id="{A7E8CB22-F7FE-CA48-8048-AC9593FDAEDA}"/>
+              </a:ext>
+            </a:extLst>
+          </p:cNvPr>
+          <p:cNvSpPr/>
+          <p:nvPr/>
+        </p:nvSpPr>
+        <p:spPr>
+          <a:xfrm>
+            <a:off x="7396200" y="1708514"/>
+            <a:ext cx="2466000" cy="1711654"/>
+          </a:xfrm>
+          <a:prstGeom prst="roundRect">
+            <a:avLst>
+              <a:gd name="adj" fmla="val 5578"/>
+            </a:avLst>
+          </a:prstGeom>
+          <a:solidFill>
+            <a:srgbClr val="5CA1C7"/>
+          </a:solidFill>
+          <a:ln>
+            <a:solidFill>
+              <a:schemeClr val="bg1"/>
+            </a:solidFill>
+          </a:ln>
+        </p:spPr>
+        <p:style>
+          <a:lnRef idx="2">
+            <a:schemeClr val="accent1">
+              <a:shade val="50000"/>
+            </a:schemeClr>
+          </a:lnRef>
+          <a:fillRef idx="1">
+            <a:schemeClr val="accent1"/>
+          </a:fillRef>
+          <a:effectRef idx="0">
+            <a:schemeClr val="accent1"/>
+          </a:effectRef>
+          <a:fontRef idx="minor">
+            <a:schemeClr val="lt1"/>
+          </a:fontRef>
+        </p:style>
+        <p:txBody>
+          <a:bodyPr rtlCol="0" anchor="t"/>
+          <a:lstStyle/>
+          <a:p>
+            <a:pPr algn="ctr"/>
+            <a:r>
+              <a:rPr lang="nl-NL" sz="1500" b="1" dirty="0">
+                <a:latin typeface="Bradley Hand ITC" panose="03070402050302030203" pitchFamily="66" charset="77"/>
+                <a:cs typeface="Jokerman" panose="020F0502020204030204" pitchFamily="34" charset="0"/>
+              </a:rPr>
+              <a:t>Signaal</a:t>
+            </a:r>
+          </a:p>
+        </p:txBody>
+      </p:sp>
+      <p:sp>
+        <p:nvSpPr>
+          <p:cNvPr id="147" name="Afgeronde rechthoek 146">
+            <a:extLst>
+              <a:ext uri="{FF2B5EF4-FFF2-40B4-BE49-F238E27FC236}">
+                <a16:creationId xmlns:a16="http://schemas.microsoft.com/office/drawing/2014/main" id="{5BCD5433-9A75-904D-86CB-B07EF72517E4}"/>
+              </a:ext>
+            </a:extLst>
+          </p:cNvPr>
+          <p:cNvSpPr/>
+          <p:nvPr/>
+        </p:nvSpPr>
+        <p:spPr>
+          <a:xfrm>
+            <a:off x="7439400" y="2070168"/>
+            <a:ext cx="2376000" cy="1260000"/>
+          </a:xfrm>
+          <a:prstGeom prst="roundRect">
+            <a:avLst>
+              <a:gd name="adj" fmla="val 5578"/>
+            </a:avLst>
+          </a:prstGeom>
+          <a:solidFill>
+            <a:srgbClr val="F9F9F9"/>
+          </a:solidFill>
+          <a:ln>
+            <a:noFill/>
+          </a:ln>
+        </p:spPr>
+        <p:style>
+          <a:lnRef idx="2">
+            <a:schemeClr val="accent1">
+              <a:shade val="50000"/>
+            </a:schemeClr>
+          </a:lnRef>
+          <a:fillRef idx="1">
+            <a:schemeClr val="accent1"/>
+          </a:fillRef>
+          <a:effectRef idx="0">
+            <a:schemeClr val="accent1"/>
+          </a:effectRef>
+          <a:fontRef idx="minor">
+            <a:schemeClr val="lt1"/>
+          </a:fontRef>
+        </p:style>
+        <p:txBody>
+          <a:bodyPr rtlCol="0" anchor="ctr"/>
+          <a:lstStyle/>
+          <a:p>
+            <a:pPr algn="ctr"/>
+            <a:endParaRPr lang="nl-NL"/>
+          </a:p>
+        </p:txBody>
+      </p:sp>
+      <p:sp>
+        <p:nvSpPr>
+          <p:cNvPr id="150" name="Afgeronde rechthoek 149">
+            <a:extLst>
+              <a:ext uri="{FF2B5EF4-FFF2-40B4-BE49-F238E27FC236}">
+                <a16:creationId xmlns:a16="http://schemas.microsoft.com/office/drawing/2014/main" id="{03E5ECBD-93CF-1344-8072-B1A1D2D55156}"/>
+              </a:ext>
+            </a:extLst>
+          </p:cNvPr>
+          <p:cNvSpPr>
+            <a:spLocks/>
+          </p:cNvSpPr>
+          <p:nvPr/>
+        </p:nvSpPr>
+        <p:spPr>
+          <a:xfrm>
+            <a:off x="7642980" y="663724"/>
+            <a:ext cx="1972440" cy="684379"/>
+          </a:xfrm>
+          <a:prstGeom prst="roundRect">
+            <a:avLst>
+              <a:gd name="adj" fmla="val 50000"/>
+            </a:avLst>
+          </a:prstGeom>
+          <a:solidFill>
+            <a:schemeClr val="bg1"/>
+          </a:solidFill>
+          <a:ln>
+            <a:solidFill>
+              <a:srgbClr val="3689B5"/>
+            </a:solidFill>
+          </a:ln>
+        </p:spPr>
+        <p:style>
+          <a:lnRef idx="2">
+            <a:schemeClr val="accent1">
+              <a:shade val="50000"/>
+            </a:schemeClr>
+          </a:lnRef>
+          <a:fillRef idx="1">
+            <a:schemeClr val="accent1"/>
+          </a:fillRef>
+          <a:effectRef idx="0">
+            <a:schemeClr val="accent1"/>
+          </a:effectRef>
+          <a:fontRef idx="minor">
+            <a:schemeClr val="lt1"/>
+          </a:fontRef>
+        </p:style>
+        <p:txBody>
+          <a:bodyPr wrap="none" rtlCol="0" anchor="ctr"/>
+          <a:lstStyle/>
+          <a:p>
+            <a:pPr algn="ctr"/>
+            <a:r>
+              <a:rPr lang="nl-NL" sz="2000" dirty="0">
+                <a:solidFill>
+                  <a:schemeClr val="tx1"/>
+                </a:solidFill>
+                <a:latin typeface="Arial" panose="020B0604020202020204" pitchFamily="34" charset="0"/>
+                <a:cs typeface="Arial" panose="020B0604020202020204" pitchFamily="34" charset="0"/>
+              </a:rPr>
+              <a:t>WIT</a:t>
+            </a:r>
+          </a:p>
+        </p:txBody>
+      </p:sp>
+      <p:sp>
+        <p:nvSpPr>
+          <p:cNvPr id="153" name="Afgeronde rechthoek 152">
+            <a:extLst>
+              <a:ext uri="{FF2B5EF4-FFF2-40B4-BE49-F238E27FC236}">
+                <a16:creationId xmlns:a16="http://schemas.microsoft.com/office/drawing/2014/main" id="{87F69BEE-0DDE-6D49-AD1F-1FF362855B85}"/>
+              </a:ext>
+            </a:extLst>
+          </p:cNvPr>
+          <p:cNvSpPr>
+            <a:spLocks/>
+          </p:cNvSpPr>
+          <p:nvPr/>
+        </p:nvSpPr>
+        <p:spPr>
+          <a:xfrm>
+            <a:off x="7642980" y="2373724"/>
+            <a:ext cx="1972440" cy="684379"/>
+          </a:xfrm>
+          <a:prstGeom prst="roundRect">
+            <a:avLst>
+              <a:gd name="adj" fmla="val 50000"/>
+            </a:avLst>
+          </a:prstGeom>
+          <a:solidFill>
+            <a:schemeClr val="accent3"/>
+          </a:solidFill>
+          <a:ln>
+            <a:solidFill>
+              <a:srgbClr val="3689B5"/>
+            </a:solidFill>
+          </a:ln>
+        </p:spPr>
+        <p:style>
+          <a:lnRef idx="2">
+            <a:schemeClr val="accent1">
+              <a:shade val="50000"/>
+            </a:schemeClr>
+          </a:lnRef>
+          <a:fillRef idx="1">
+            <a:schemeClr val="accent1"/>
+          </a:fillRef>
+          <a:effectRef idx="0">
+            <a:schemeClr val="accent1"/>
+          </a:effectRef>
+          <a:fontRef idx="minor">
+            <a:schemeClr val="lt1"/>
+          </a:fontRef>
+        </p:style>
+        <p:txBody>
+          <a:bodyPr wrap="none" rtlCol="0" anchor="ctr"/>
+          <a:lstStyle/>
+          <a:p>
+            <a:pPr algn="ctr"/>
+            <a:r>
+              <a:rPr lang="nl-NL" sz="2000" dirty="0">
+                <a:latin typeface="Arial" panose="020B0604020202020204" pitchFamily="34" charset="0"/>
+                <a:cs typeface="Arial" panose="020B0604020202020204" pitchFamily="34" charset="0"/>
+              </a:rPr>
+              <a:t>GRIJS</a:t>
+            </a:r>
+          </a:p>
+        </p:txBody>
+      </p:sp>
+      <p:sp>
+        <p:nvSpPr>
+          <p:cNvPr id="91" name="Afgeronde rechthoek 90">
+            <a:extLst>
+              <a:ext uri="{FF2B5EF4-FFF2-40B4-BE49-F238E27FC236}">
+                <a16:creationId xmlns:a16="http://schemas.microsoft.com/office/drawing/2014/main" id="{9C89578B-E567-3F4A-B968-C1E1FC52F7CD}"/>
+              </a:ext>
+            </a:extLst>
+          </p:cNvPr>
+          <p:cNvSpPr/>
+          <p:nvPr/>
+        </p:nvSpPr>
+        <p:spPr>
+          <a:xfrm>
+            <a:off x="0" y="3438000"/>
+            <a:ext cx="2466000" cy="1710000"/>
+          </a:xfrm>
+          <a:prstGeom prst="roundRect">
+            <a:avLst>
+              <a:gd name="adj" fmla="val 5578"/>
+            </a:avLst>
+          </a:prstGeom>
+          <a:solidFill>
+            <a:srgbClr val="5CA1C7"/>
+          </a:solidFill>
+          <a:ln>
+            <a:solidFill>
+              <a:schemeClr val="bg1"/>
+            </a:solidFill>
+          </a:ln>
+        </p:spPr>
+        <p:style>
+          <a:lnRef idx="2">
+            <a:schemeClr val="accent1">
+              <a:shade val="50000"/>
+            </a:schemeClr>
+          </a:lnRef>
+          <a:fillRef idx="1">
+            <a:schemeClr val="accent1"/>
+          </a:fillRef>
+          <a:effectRef idx="0">
+            <a:schemeClr val="accent1"/>
+          </a:effectRef>
+          <a:fontRef idx="minor">
+            <a:schemeClr val="lt1"/>
+          </a:fontRef>
+        </p:style>
+        <p:txBody>
+          <a:bodyPr rtlCol="0" anchor="t"/>
+          <a:lstStyle/>
+          <a:p>
+            <a:pPr algn="ctr"/>
+            <a:r>
+              <a:rPr lang="nl-NL" sz="1500" b="1" dirty="0">
+                <a:latin typeface="Bradley Hand ITC" panose="03070402050302030203" pitchFamily="66" charset="77"/>
+                <a:cs typeface="Jokerman" panose="020F0502020204030204" pitchFamily="34" charset="0"/>
+              </a:rPr>
+              <a:t>Signaal</a:t>
+            </a:r>
+          </a:p>
+        </p:txBody>
+      </p:sp>
+      <p:sp>
+        <p:nvSpPr>
+          <p:cNvPr id="92" name="Afgeronde rechthoek 91">
+            <a:extLst>
+              <a:ext uri="{FF2B5EF4-FFF2-40B4-BE49-F238E27FC236}">
+                <a16:creationId xmlns:a16="http://schemas.microsoft.com/office/drawing/2014/main" id="{A896EBC9-759B-784D-99F6-252B61F5BAB2}"/>
+              </a:ext>
+            </a:extLst>
+          </p:cNvPr>
+          <p:cNvSpPr/>
+          <p:nvPr/>
+        </p:nvSpPr>
+        <p:spPr>
+          <a:xfrm>
+            <a:off x="43200" y="3798000"/>
+            <a:ext cx="2376000" cy="1260000"/>
+          </a:xfrm>
+          <a:prstGeom prst="roundRect">
+            <a:avLst>
+              <a:gd name="adj" fmla="val 5578"/>
+            </a:avLst>
+          </a:prstGeom>
+          <a:solidFill>
+            <a:srgbClr val="F9F9F9"/>
+          </a:solidFill>
+          <a:ln>
+            <a:noFill/>
+          </a:ln>
+        </p:spPr>
+        <p:style>
+          <a:lnRef idx="2">
+            <a:schemeClr val="accent1">
+              <a:shade val="50000"/>
+            </a:schemeClr>
+          </a:lnRef>
+          <a:fillRef idx="1">
+            <a:schemeClr val="accent1"/>
+          </a:fillRef>
+          <a:effectRef idx="0">
+            <a:schemeClr val="accent1"/>
+          </a:effectRef>
+          <a:fontRef idx="minor">
+            <a:schemeClr val="lt1"/>
+          </a:fontRef>
+        </p:style>
+        <p:txBody>
+          <a:bodyPr rtlCol="0" anchor="ctr"/>
+          <a:lstStyle/>
+          <a:p>
+            <a:pPr algn="ctr"/>
+            <a:endParaRPr lang="nl-NL"/>
+          </a:p>
+        </p:txBody>
+      </p:sp>
+      <p:sp>
+        <p:nvSpPr>
+          <p:cNvPr id="93" name="Afgeronde rechthoek 92">
+            <a:extLst>
+              <a:ext uri="{FF2B5EF4-FFF2-40B4-BE49-F238E27FC236}">
+                <a16:creationId xmlns:a16="http://schemas.microsoft.com/office/drawing/2014/main" id="{B674D2A9-A9B8-1C48-B5EF-048D1AA9D1B2}"/>
+              </a:ext>
+            </a:extLst>
+          </p:cNvPr>
+          <p:cNvSpPr/>
+          <p:nvPr/>
+        </p:nvSpPr>
+        <p:spPr>
+          <a:xfrm>
+            <a:off x="0" y="5146346"/>
+            <a:ext cx="2466000" cy="1711654"/>
+          </a:xfrm>
+          <a:prstGeom prst="roundRect">
+            <a:avLst>
+              <a:gd name="adj" fmla="val 5578"/>
+            </a:avLst>
+          </a:prstGeom>
+          <a:solidFill>
+            <a:srgbClr val="5CA1C7"/>
+          </a:solidFill>
+          <a:ln>
+            <a:solidFill>
+              <a:schemeClr val="bg1"/>
+            </a:solidFill>
+          </a:ln>
+        </p:spPr>
+        <p:style>
+          <a:lnRef idx="2">
+            <a:schemeClr val="accent1">
+              <a:shade val="50000"/>
+            </a:schemeClr>
+          </a:lnRef>
+          <a:fillRef idx="1">
+            <a:schemeClr val="accent1"/>
+          </a:fillRef>
+          <a:effectRef idx="0">
+            <a:schemeClr val="accent1"/>
+          </a:effectRef>
+          <a:fontRef idx="minor">
+            <a:schemeClr val="lt1"/>
+          </a:fontRef>
+        </p:style>
+        <p:txBody>
+          <a:bodyPr rtlCol="0" anchor="t"/>
+          <a:lstStyle/>
+          <a:p>
+            <a:pPr algn="ctr"/>
+            <a:r>
+              <a:rPr lang="nl-NL" sz="1500" b="1" dirty="0">
+                <a:latin typeface="Bradley Hand ITC" panose="03070402050302030203" pitchFamily="66" charset="77"/>
+                <a:cs typeface="Jokerman" panose="020F0502020204030204" pitchFamily="34" charset="0"/>
+              </a:rPr>
+              <a:t>Signaal</a:t>
+            </a:r>
+          </a:p>
+        </p:txBody>
+      </p:sp>
+      <p:sp>
+        <p:nvSpPr>
+          <p:cNvPr id="94" name="Afgeronde rechthoek 93">
+            <a:extLst>
+              <a:ext uri="{FF2B5EF4-FFF2-40B4-BE49-F238E27FC236}">
+                <a16:creationId xmlns:a16="http://schemas.microsoft.com/office/drawing/2014/main" id="{3B1FA4CC-AFE3-AC4B-888E-BFB0DE3C7BE6}"/>
+              </a:ext>
+            </a:extLst>
+          </p:cNvPr>
+          <p:cNvSpPr/>
+          <p:nvPr/>
+        </p:nvSpPr>
+        <p:spPr>
+          <a:xfrm>
+            <a:off x="43200" y="5508000"/>
+            <a:ext cx="2376000" cy="1260000"/>
+          </a:xfrm>
+          <a:prstGeom prst="roundRect">
+            <a:avLst>
+              <a:gd name="adj" fmla="val 5578"/>
+            </a:avLst>
+          </a:prstGeom>
+          <a:solidFill>
+            <a:srgbClr val="F9F9F9"/>
+          </a:solidFill>
+          <a:ln>
+            <a:noFill/>
+          </a:ln>
+        </p:spPr>
+        <p:style>
+          <a:lnRef idx="2">
+            <a:schemeClr val="accent1">
+              <a:shade val="50000"/>
+            </a:schemeClr>
+          </a:lnRef>
+          <a:fillRef idx="1">
+            <a:schemeClr val="accent1"/>
+          </a:fillRef>
+          <a:effectRef idx="0">
+            <a:schemeClr val="accent1"/>
+          </a:effectRef>
+          <a:fontRef idx="minor">
+            <a:schemeClr val="lt1"/>
+          </a:fontRef>
+        </p:style>
+        <p:txBody>
+          <a:bodyPr rtlCol="0" anchor="ctr"/>
+          <a:lstStyle/>
+          <a:p>
+            <a:pPr algn="ctr"/>
+            <a:endParaRPr lang="nl-NL"/>
+          </a:p>
+        </p:txBody>
+      </p:sp>
+      <p:sp>
+        <p:nvSpPr>
+          <p:cNvPr id="97" name="Afgeronde rechthoek 96">
+            <a:extLst>
+              <a:ext uri="{FF2B5EF4-FFF2-40B4-BE49-F238E27FC236}">
+                <a16:creationId xmlns:a16="http://schemas.microsoft.com/office/drawing/2014/main" id="{450BEADA-F621-A240-9990-C7471480B501}"/>
+              </a:ext>
+            </a:extLst>
+          </p:cNvPr>
+          <p:cNvSpPr>
+            <a:spLocks/>
+          </p:cNvSpPr>
+          <p:nvPr/>
+        </p:nvSpPr>
+        <p:spPr>
+          <a:xfrm>
+            <a:off x="246780" y="4101556"/>
+            <a:ext cx="1972440" cy="684379"/>
+          </a:xfrm>
+          <a:prstGeom prst="roundRect">
+            <a:avLst>
+              <a:gd name="adj" fmla="val 50000"/>
+            </a:avLst>
+          </a:prstGeom>
+          <a:solidFill>
+            <a:srgbClr val="FFC0CB"/>
+          </a:solidFill>
+          <a:ln>
+            <a:solidFill>
+              <a:srgbClr val="3689B5"/>
+            </a:solidFill>
+          </a:ln>
+        </p:spPr>
+        <p:style>
+          <a:lnRef idx="2">
+            <a:schemeClr val="accent1">
+              <a:shade val="50000"/>
+            </a:schemeClr>
+          </a:lnRef>
+          <a:fillRef idx="1">
+            <a:schemeClr val="accent1"/>
+          </a:fillRef>
+          <a:effectRef idx="0">
+            <a:schemeClr val="accent1"/>
+          </a:effectRef>
+          <a:fontRef idx="minor">
+            <a:schemeClr val="lt1"/>
+          </a:fontRef>
+        </p:style>
+        <p:txBody>
+          <a:bodyPr wrap="none" rtlCol="0" anchor="ctr"/>
+          <a:lstStyle/>
+          <a:p>
+            <a:pPr algn="ctr"/>
+            <a:r>
+              <a:rPr lang="nl-NL" sz="2000" dirty="0">
+                <a:latin typeface="Arial" panose="020B0604020202020204" pitchFamily="34" charset="0"/>
+                <a:cs typeface="Arial" panose="020B0604020202020204" pitchFamily="34" charset="0"/>
+              </a:rPr>
+              <a:t>ROZE</a:t>
+            </a:r>
+          </a:p>
+        </p:txBody>
+      </p:sp>
+      <p:sp>
+        <p:nvSpPr>
+          <p:cNvPr id="100" name="Afgeronde rechthoek 99">
+            <a:extLst>
+              <a:ext uri="{FF2B5EF4-FFF2-40B4-BE49-F238E27FC236}">
+                <a16:creationId xmlns:a16="http://schemas.microsoft.com/office/drawing/2014/main" id="{F29D1360-4986-FE46-879E-94D2ABAB8A40}"/>
+              </a:ext>
+            </a:extLst>
+          </p:cNvPr>
+          <p:cNvSpPr>
+            <a:spLocks/>
+          </p:cNvSpPr>
+          <p:nvPr/>
+        </p:nvSpPr>
+        <p:spPr>
+          <a:xfrm>
+            <a:off x="246780" y="5811556"/>
+            <a:ext cx="1972440" cy="684379"/>
+          </a:xfrm>
+          <a:prstGeom prst="roundRect">
+            <a:avLst>
+              <a:gd name="adj" fmla="val 50000"/>
+            </a:avLst>
+          </a:prstGeom>
+          <a:solidFill>
+            <a:srgbClr val="FFFC00"/>
+          </a:solidFill>
+          <a:ln>
+            <a:solidFill>
+              <a:srgbClr val="3689B5"/>
+            </a:solidFill>
+          </a:ln>
+        </p:spPr>
+        <p:style>
+          <a:lnRef idx="2">
+            <a:schemeClr val="accent1">
+              <a:shade val="50000"/>
+            </a:schemeClr>
+          </a:lnRef>
+          <a:fillRef idx="1">
+            <a:schemeClr val="accent1"/>
+          </a:fillRef>
+          <a:effectRef idx="0">
+            <a:schemeClr val="accent1"/>
+          </a:effectRef>
+          <a:fontRef idx="minor">
+            <a:schemeClr val="lt1"/>
+          </a:fontRef>
+        </p:style>
+        <p:txBody>
+          <a:bodyPr wrap="none" rtlCol="0" anchor="ctr"/>
+          <a:lstStyle/>
+          <a:p>
+            <a:pPr algn="ctr"/>
+            <a:r>
+              <a:rPr lang="nl-NL" sz="2000" dirty="0">
+                <a:solidFill>
+                  <a:schemeClr val="tx1"/>
+                </a:solidFill>
+                <a:latin typeface="Arial" panose="020B0604020202020204" pitchFamily="34" charset="0"/>
+                <a:cs typeface="Arial" panose="020B0604020202020204" pitchFamily="34" charset="0"/>
+              </a:rPr>
+              <a:t>GEEL</a:t>
+            </a:r>
+          </a:p>
+        </p:txBody>
+      </p:sp>
+      <p:sp>
+        <p:nvSpPr>
+          <p:cNvPr id="101" name="Afgeronde rechthoek 100">
+            <a:extLst>
+              <a:ext uri="{FF2B5EF4-FFF2-40B4-BE49-F238E27FC236}">
+                <a16:creationId xmlns:a16="http://schemas.microsoft.com/office/drawing/2014/main" id="{926AEA15-7E83-144F-85B5-0AC9BF1F41DA}"/>
+              </a:ext>
+            </a:extLst>
+          </p:cNvPr>
+          <p:cNvSpPr/>
+          <p:nvPr/>
+        </p:nvSpPr>
+        <p:spPr>
+          <a:xfrm>
+            <a:off x="2466000" y="3439729"/>
+            <a:ext cx="2466000" cy="1710000"/>
+          </a:xfrm>
+          <a:prstGeom prst="roundRect">
+            <a:avLst>
+              <a:gd name="adj" fmla="val 5578"/>
+            </a:avLst>
+          </a:prstGeom>
+          <a:solidFill>
+            <a:srgbClr val="5CA1C7"/>
+          </a:solidFill>
+          <a:ln>
+            <a:solidFill>
+              <a:schemeClr val="bg1"/>
+            </a:solidFill>
+          </a:ln>
+        </p:spPr>
+        <p:style>
+          <a:lnRef idx="2">
+            <a:schemeClr val="accent1">
+              <a:shade val="50000"/>
+            </a:schemeClr>
+          </a:lnRef>
+          <a:fillRef idx="1">
+            <a:schemeClr val="accent1"/>
+          </a:fillRef>
+          <a:effectRef idx="0">
+            <a:schemeClr val="accent1"/>
+          </a:effectRef>
+          <a:fontRef idx="minor">
+            <a:schemeClr val="lt1"/>
+          </a:fontRef>
+        </p:style>
+        <p:txBody>
+          <a:bodyPr rtlCol="0" anchor="t"/>
+          <a:lstStyle/>
+          <a:p>
+            <a:pPr algn="ctr"/>
+            <a:r>
+              <a:rPr lang="nl-NL" sz="1500" b="1" dirty="0">
+                <a:latin typeface="Bradley Hand ITC" panose="03070402050302030203" pitchFamily="66" charset="77"/>
+                <a:cs typeface="Jokerman" panose="020F0502020204030204" pitchFamily="34" charset="0"/>
+              </a:rPr>
+              <a:t>Signaal</a:t>
+            </a:r>
+          </a:p>
+        </p:txBody>
+      </p:sp>
+      <p:sp>
+        <p:nvSpPr>
+          <p:cNvPr id="102" name="Afgeronde rechthoek 101">
+            <a:extLst>
+              <a:ext uri="{FF2B5EF4-FFF2-40B4-BE49-F238E27FC236}">
+                <a16:creationId xmlns:a16="http://schemas.microsoft.com/office/drawing/2014/main" id="{3BAA1170-F0E3-D847-B74A-A8F7920D3F95}"/>
+              </a:ext>
+            </a:extLst>
+          </p:cNvPr>
+          <p:cNvSpPr/>
+          <p:nvPr/>
+        </p:nvSpPr>
+        <p:spPr>
+          <a:xfrm>
+            <a:off x="2509200" y="3799729"/>
+            <a:ext cx="2376000" cy="1260000"/>
+          </a:xfrm>
+          <a:prstGeom prst="roundRect">
+            <a:avLst>
+              <a:gd name="adj" fmla="val 5578"/>
+            </a:avLst>
+          </a:prstGeom>
+          <a:solidFill>
+            <a:srgbClr val="F9F9F9"/>
+          </a:solidFill>
+          <a:ln>
+            <a:noFill/>
+          </a:ln>
+        </p:spPr>
+        <p:style>
+          <a:lnRef idx="2">
+            <a:schemeClr val="accent1">
+              <a:shade val="50000"/>
+            </a:schemeClr>
+          </a:lnRef>
+          <a:fillRef idx="1">
+            <a:schemeClr val="accent1"/>
+          </a:fillRef>
+          <a:effectRef idx="0">
+            <a:schemeClr val="accent1"/>
+          </a:effectRef>
+          <a:fontRef idx="minor">
+            <a:schemeClr val="lt1"/>
+          </a:fontRef>
+        </p:style>
+        <p:txBody>
+          <a:bodyPr rtlCol="0" anchor="ctr"/>
+          <a:lstStyle/>
+          <a:p>
+            <a:pPr algn="ctr"/>
+            <a:endParaRPr lang="nl-NL"/>
+          </a:p>
+        </p:txBody>
+      </p:sp>
+      <p:sp>
+        <p:nvSpPr>
+          <p:cNvPr id="103" name="Afgeronde rechthoek 102">
+            <a:extLst>
+              <a:ext uri="{FF2B5EF4-FFF2-40B4-BE49-F238E27FC236}">
+                <a16:creationId xmlns:a16="http://schemas.microsoft.com/office/drawing/2014/main" id="{359F8FF2-1FD7-0745-B891-92B77E057EC0}"/>
+              </a:ext>
+            </a:extLst>
+          </p:cNvPr>
+          <p:cNvSpPr/>
+          <p:nvPr/>
+        </p:nvSpPr>
+        <p:spPr>
+          <a:xfrm>
+            <a:off x="2466000" y="5148075"/>
+            <a:ext cx="2466000" cy="1711654"/>
+          </a:xfrm>
+          <a:prstGeom prst="roundRect">
+            <a:avLst>
+              <a:gd name="adj" fmla="val 5578"/>
+            </a:avLst>
+          </a:prstGeom>
+          <a:solidFill>
+            <a:srgbClr val="5CA1C7"/>
+          </a:solidFill>
+          <a:ln>
+            <a:solidFill>
+              <a:schemeClr val="bg1"/>
+            </a:solidFill>
+          </a:ln>
+        </p:spPr>
+        <p:style>
+          <a:lnRef idx="2">
+            <a:schemeClr val="accent1">
+              <a:shade val="50000"/>
+            </a:schemeClr>
+          </a:lnRef>
+          <a:fillRef idx="1">
+            <a:schemeClr val="accent1"/>
+          </a:fillRef>
+          <a:effectRef idx="0">
+            <a:schemeClr val="accent1"/>
+          </a:effectRef>
+          <a:fontRef idx="minor">
+            <a:schemeClr val="lt1"/>
+          </a:fontRef>
+        </p:style>
+        <p:txBody>
+          <a:bodyPr rtlCol="0" anchor="t"/>
+          <a:lstStyle/>
+          <a:p>
+            <a:pPr algn="ctr"/>
+            <a:r>
+              <a:rPr lang="nl-NL" sz="1500" b="1" dirty="0">
+                <a:latin typeface="Bradley Hand ITC" panose="03070402050302030203" pitchFamily="66" charset="77"/>
+                <a:cs typeface="Jokerman" panose="020F0502020204030204" pitchFamily="34" charset="0"/>
+              </a:rPr>
+              <a:t>Signaal</a:t>
+            </a:r>
+          </a:p>
+        </p:txBody>
+      </p:sp>
+      <p:sp>
+        <p:nvSpPr>
+          <p:cNvPr id="104" name="Afgeronde rechthoek 103">
+            <a:extLst>
+              <a:ext uri="{FF2B5EF4-FFF2-40B4-BE49-F238E27FC236}">
+                <a16:creationId xmlns:a16="http://schemas.microsoft.com/office/drawing/2014/main" id="{F56B6428-9C50-E045-86BC-5FC3236BE991}"/>
+              </a:ext>
+            </a:extLst>
+          </p:cNvPr>
+          <p:cNvSpPr/>
+          <p:nvPr/>
+        </p:nvSpPr>
+        <p:spPr>
+          <a:xfrm>
+            <a:off x="2509200" y="5509729"/>
+            <a:ext cx="2376000" cy="1260000"/>
+          </a:xfrm>
+          <a:prstGeom prst="roundRect">
+            <a:avLst>
+              <a:gd name="adj" fmla="val 5578"/>
+            </a:avLst>
+          </a:prstGeom>
+          <a:solidFill>
+            <a:srgbClr val="F9F9F9"/>
+          </a:solidFill>
+          <a:ln>
+            <a:noFill/>
+          </a:ln>
+        </p:spPr>
+        <p:style>
+          <a:lnRef idx="2">
+            <a:schemeClr val="accent1">
+              <a:shade val="50000"/>
+            </a:schemeClr>
+          </a:lnRef>
+          <a:fillRef idx="1">
+            <a:schemeClr val="accent1"/>
+          </a:fillRef>
+          <a:effectRef idx="0">
+            <a:schemeClr val="accent1"/>
+          </a:effectRef>
+          <a:fontRef idx="minor">
+            <a:schemeClr val="lt1"/>
+          </a:fontRef>
+        </p:style>
+        <p:txBody>
+          <a:bodyPr rtlCol="0" anchor="ctr"/>
+          <a:lstStyle/>
+          <a:p>
+            <a:pPr algn="ctr"/>
+            <a:endParaRPr lang="nl-NL"/>
+          </a:p>
+        </p:txBody>
+      </p:sp>
+      <p:sp>
+        <p:nvSpPr>
+          <p:cNvPr id="107" name="Afgeronde rechthoek 106">
+            <a:extLst>
+              <a:ext uri="{FF2B5EF4-FFF2-40B4-BE49-F238E27FC236}">
+                <a16:creationId xmlns:a16="http://schemas.microsoft.com/office/drawing/2014/main" id="{73759134-A641-4B46-99C0-0605A2102A90}"/>
+              </a:ext>
+            </a:extLst>
+          </p:cNvPr>
+          <p:cNvSpPr>
+            <a:spLocks/>
+          </p:cNvSpPr>
+          <p:nvPr/>
+        </p:nvSpPr>
+        <p:spPr>
+          <a:xfrm>
+            <a:off x="2712780" y="4103285"/>
+            <a:ext cx="1972440" cy="684379"/>
+          </a:xfrm>
+          <a:prstGeom prst="roundRect">
+            <a:avLst>
+              <a:gd name="adj" fmla="val 50000"/>
+            </a:avLst>
+          </a:prstGeom>
+          <a:solidFill>
+            <a:srgbClr val="00FDFF"/>
+          </a:solidFill>
+          <a:ln>
+            <a:solidFill>
+              <a:srgbClr val="3689B5"/>
+            </a:solidFill>
+          </a:ln>
+        </p:spPr>
+        <p:style>
+          <a:lnRef idx="2">
+            <a:schemeClr val="accent1">
+              <a:shade val="50000"/>
+            </a:schemeClr>
+          </a:lnRef>
+          <a:fillRef idx="1">
+            <a:schemeClr val="accent1"/>
+          </a:fillRef>
+          <a:effectRef idx="0">
+            <a:schemeClr val="accent1"/>
+          </a:effectRef>
+          <a:fontRef idx="minor">
+            <a:schemeClr val="lt1"/>
+          </a:fontRef>
+        </p:style>
+        <p:txBody>
+          <a:bodyPr wrap="none" rtlCol="0" anchor="ctr"/>
+          <a:lstStyle/>
+          <a:p>
+            <a:pPr algn="ctr"/>
+            <a:r>
+              <a:rPr lang="nl-NL" sz="2000" dirty="0">
+                <a:solidFill>
+                  <a:schemeClr val="tx1"/>
+                </a:solidFill>
+                <a:latin typeface="Arial" panose="020B0604020202020204" pitchFamily="34" charset="0"/>
+                <a:cs typeface="Arial" panose="020B0604020202020204" pitchFamily="34" charset="0"/>
+              </a:rPr>
+              <a:t>CYAAN</a:t>
+            </a:r>
+          </a:p>
+        </p:txBody>
+      </p:sp>
+      <p:sp>
+        <p:nvSpPr>
+          <p:cNvPr id="110" name="Afgeronde rechthoek 109">
+            <a:extLst>
+              <a:ext uri="{FF2B5EF4-FFF2-40B4-BE49-F238E27FC236}">
+                <a16:creationId xmlns:a16="http://schemas.microsoft.com/office/drawing/2014/main" id="{C922AF88-AE50-1244-920A-263CE2BA5408}"/>
+              </a:ext>
+            </a:extLst>
+          </p:cNvPr>
+          <p:cNvSpPr>
+            <a:spLocks/>
+          </p:cNvSpPr>
+          <p:nvPr/>
+        </p:nvSpPr>
+        <p:spPr>
+          <a:xfrm>
+            <a:off x="2712780" y="5813285"/>
+            <a:ext cx="1972440" cy="684379"/>
+          </a:xfrm>
+          <a:prstGeom prst="roundRect">
+            <a:avLst>
+              <a:gd name="adj" fmla="val 50000"/>
+            </a:avLst>
+          </a:prstGeom>
+          <a:solidFill>
+            <a:srgbClr val="AB7942"/>
+          </a:solidFill>
+          <a:ln>
+            <a:solidFill>
+              <a:srgbClr val="3689B5"/>
+            </a:solidFill>
+          </a:ln>
+        </p:spPr>
+        <p:style>
+          <a:lnRef idx="2">
+            <a:schemeClr val="accent1">
+              <a:shade val="50000"/>
+            </a:schemeClr>
+          </a:lnRef>
+          <a:fillRef idx="1">
+            <a:schemeClr val="accent1"/>
+          </a:fillRef>
+          <a:effectRef idx="0">
+            <a:schemeClr val="accent1"/>
+          </a:effectRef>
+          <a:fontRef idx="minor">
+            <a:schemeClr val="lt1"/>
+          </a:fontRef>
+        </p:style>
+        <p:txBody>
+          <a:bodyPr wrap="none" rtlCol="0" anchor="ctr"/>
+          <a:lstStyle/>
+          <a:p>
+            <a:pPr algn="ctr"/>
+            <a:r>
+              <a:rPr lang="nl-NL" sz="2000" dirty="0">
+                <a:latin typeface="Arial" panose="020B0604020202020204" pitchFamily="34" charset="0"/>
+                <a:cs typeface="Arial" panose="020B0604020202020204" pitchFamily="34" charset="0"/>
+              </a:rPr>
+              <a:t>BRUIN</a:t>
+            </a:r>
+          </a:p>
+        </p:txBody>
+      </p:sp>
+      <p:sp>
+        <p:nvSpPr>
+          <p:cNvPr id="111" name="Afgeronde rechthoek 110">
+            <a:extLst>
+              <a:ext uri="{FF2B5EF4-FFF2-40B4-BE49-F238E27FC236}">
+                <a16:creationId xmlns:a16="http://schemas.microsoft.com/office/drawing/2014/main" id="{FEA29AD7-2731-F34E-9C60-F4B18B6488B7}"/>
+              </a:ext>
+            </a:extLst>
+          </p:cNvPr>
+          <p:cNvSpPr/>
+          <p:nvPr/>
+        </p:nvSpPr>
+        <p:spPr>
+          <a:xfrm>
+            <a:off x="4932000" y="3439729"/>
+            <a:ext cx="2466000" cy="1710000"/>
+          </a:xfrm>
+          <a:prstGeom prst="roundRect">
+            <a:avLst>
+              <a:gd name="adj" fmla="val 5578"/>
+            </a:avLst>
+          </a:prstGeom>
+          <a:solidFill>
+            <a:srgbClr val="5CA1C7"/>
+          </a:solidFill>
+          <a:ln>
+            <a:solidFill>
+              <a:schemeClr val="bg1"/>
+            </a:solidFill>
+          </a:ln>
+        </p:spPr>
+        <p:style>
+          <a:lnRef idx="2">
+            <a:schemeClr val="accent1">
+              <a:shade val="50000"/>
+            </a:schemeClr>
+          </a:lnRef>
+          <a:fillRef idx="1">
+            <a:schemeClr val="accent1"/>
+          </a:fillRef>
+          <a:effectRef idx="0">
+            <a:schemeClr val="accent1"/>
+          </a:effectRef>
+          <a:fontRef idx="minor">
+            <a:schemeClr val="lt1"/>
+          </a:fontRef>
+        </p:style>
+        <p:txBody>
+          <a:bodyPr rtlCol="0" anchor="t"/>
+          <a:lstStyle/>
+          <a:p>
+            <a:pPr algn="ctr"/>
+            <a:r>
+              <a:rPr lang="nl-NL" sz="1500" b="1" dirty="0">
+                <a:latin typeface="Bradley Hand ITC" panose="03070402050302030203" pitchFamily="66" charset="77"/>
+                <a:cs typeface="Jokerman" panose="020F0502020204030204" pitchFamily="34" charset="0"/>
+              </a:rPr>
+              <a:t>Signaal</a:t>
+            </a:r>
+          </a:p>
+        </p:txBody>
+      </p:sp>
+      <p:sp>
+        <p:nvSpPr>
+          <p:cNvPr id="112" name="Afgeronde rechthoek 111">
+            <a:extLst>
+              <a:ext uri="{FF2B5EF4-FFF2-40B4-BE49-F238E27FC236}">
+                <a16:creationId xmlns:a16="http://schemas.microsoft.com/office/drawing/2014/main" id="{30034233-79EC-814F-8F71-47C9CFDD4BB7}"/>
+              </a:ext>
+            </a:extLst>
+          </p:cNvPr>
+          <p:cNvSpPr/>
+          <p:nvPr/>
+        </p:nvSpPr>
+        <p:spPr>
+          <a:xfrm>
+            <a:off x="4975200" y="3799729"/>
+            <a:ext cx="2376000" cy="1260000"/>
+          </a:xfrm>
+          <a:prstGeom prst="roundRect">
+            <a:avLst>
+              <a:gd name="adj" fmla="val 5578"/>
+            </a:avLst>
+          </a:prstGeom>
+          <a:solidFill>
+            <a:srgbClr val="F9F9F9"/>
+          </a:solidFill>
+          <a:ln>
+            <a:noFill/>
+          </a:ln>
+        </p:spPr>
+        <p:style>
+          <a:lnRef idx="2">
+            <a:schemeClr val="accent1">
+              <a:shade val="50000"/>
+            </a:schemeClr>
+          </a:lnRef>
+          <a:fillRef idx="1">
+            <a:schemeClr val="accent1"/>
+          </a:fillRef>
+          <a:effectRef idx="0">
+            <a:schemeClr val="accent1"/>
+          </a:effectRef>
+          <a:fontRef idx="minor">
+            <a:schemeClr val="lt1"/>
+          </a:fontRef>
+        </p:style>
+        <p:txBody>
+          <a:bodyPr rtlCol="0" anchor="ctr"/>
+          <a:lstStyle/>
+          <a:p>
+            <a:pPr algn="ctr"/>
+            <a:endParaRPr lang="nl-NL"/>
+          </a:p>
+        </p:txBody>
+      </p:sp>
+      <p:sp>
+        <p:nvSpPr>
+          <p:cNvPr id="115" name="Afgeronde rechthoek 114">
+            <a:extLst>
+              <a:ext uri="{FF2B5EF4-FFF2-40B4-BE49-F238E27FC236}">
+                <a16:creationId xmlns:a16="http://schemas.microsoft.com/office/drawing/2014/main" id="{33B593D0-F11D-8749-9F55-15F966633D57}"/>
+              </a:ext>
+            </a:extLst>
+          </p:cNvPr>
+          <p:cNvSpPr/>
+          <p:nvPr/>
+        </p:nvSpPr>
+        <p:spPr>
+          <a:xfrm>
+            <a:off x="4932000" y="5148075"/>
+            <a:ext cx="2466000" cy="1711654"/>
+          </a:xfrm>
+          <a:prstGeom prst="roundRect">
+            <a:avLst>
+              <a:gd name="adj" fmla="val 5578"/>
+            </a:avLst>
+          </a:prstGeom>
+          <a:solidFill>
+            <a:srgbClr val="5CA1C7"/>
+          </a:solidFill>
+          <a:ln>
+            <a:solidFill>
+              <a:schemeClr val="bg1"/>
+            </a:solidFill>
+          </a:ln>
+        </p:spPr>
+        <p:style>
+          <a:lnRef idx="2">
+            <a:schemeClr val="accent1">
+              <a:shade val="50000"/>
+            </a:schemeClr>
+          </a:lnRef>
+          <a:fillRef idx="1">
+            <a:schemeClr val="accent1"/>
+          </a:fillRef>
+          <a:effectRef idx="0">
+            <a:schemeClr val="accent1"/>
+          </a:effectRef>
+          <a:fontRef idx="minor">
+            <a:schemeClr val="lt1"/>
+          </a:fontRef>
+        </p:style>
+        <p:txBody>
+          <a:bodyPr rtlCol="0" anchor="t"/>
+          <a:lstStyle/>
+          <a:p>
+            <a:pPr algn="ctr"/>
+            <a:r>
+              <a:rPr lang="nl-NL" sz="1500" b="1" dirty="0">
+                <a:latin typeface="Bradley Hand ITC" panose="03070402050302030203" pitchFamily="66" charset="77"/>
+                <a:cs typeface="Jokerman" panose="020F0502020204030204" pitchFamily="34" charset="0"/>
+              </a:rPr>
+              <a:t>Signaal</a:t>
+            </a:r>
+          </a:p>
+        </p:txBody>
+      </p:sp>
+      <p:sp>
+        <p:nvSpPr>
+          <p:cNvPr id="116" name="Afgeronde rechthoek 115">
+            <a:extLst>
+              <a:ext uri="{FF2B5EF4-FFF2-40B4-BE49-F238E27FC236}">
+                <a16:creationId xmlns:a16="http://schemas.microsoft.com/office/drawing/2014/main" id="{7A6027B8-F331-AD4E-AB52-82CBEB1FDAD9}"/>
+              </a:ext>
+            </a:extLst>
+          </p:cNvPr>
+          <p:cNvSpPr/>
+          <p:nvPr/>
+        </p:nvSpPr>
+        <p:spPr>
+          <a:xfrm>
+            <a:off x="4975200" y="5509729"/>
+            <a:ext cx="2376000" cy="1260000"/>
+          </a:xfrm>
+          <a:prstGeom prst="roundRect">
+            <a:avLst>
+              <a:gd name="adj" fmla="val 5578"/>
+            </a:avLst>
+          </a:prstGeom>
+          <a:solidFill>
+            <a:srgbClr val="F9F9F9"/>
+          </a:solidFill>
+          <a:ln>
+            <a:noFill/>
+          </a:ln>
+        </p:spPr>
+        <p:style>
+          <a:lnRef idx="2">
+            <a:schemeClr val="accent1">
+              <a:shade val="50000"/>
+            </a:schemeClr>
+          </a:lnRef>
+          <a:fillRef idx="1">
+            <a:schemeClr val="accent1"/>
+          </a:fillRef>
+          <a:effectRef idx="0">
+            <a:schemeClr val="accent1"/>
+          </a:effectRef>
+          <a:fontRef idx="minor">
+            <a:schemeClr val="lt1"/>
+          </a:fontRef>
+        </p:style>
+        <p:txBody>
+          <a:bodyPr rtlCol="0" anchor="ctr"/>
+          <a:lstStyle/>
+          <a:p>
+            <a:pPr algn="ctr"/>
+            <a:endParaRPr lang="nl-NL"/>
+          </a:p>
+        </p:txBody>
+      </p:sp>
+      <p:sp>
+        <p:nvSpPr>
+          <p:cNvPr id="132" name="Afgeronde rechthoek 131">
+            <a:extLst>
+              <a:ext uri="{FF2B5EF4-FFF2-40B4-BE49-F238E27FC236}">
+                <a16:creationId xmlns:a16="http://schemas.microsoft.com/office/drawing/2014/main" id="{7C283137-7250-C04C-B408-5C6F8FCA7E60}"/>
+              </a:ext>
+            </a:extLst>
+          </p:cNvPr>
+          <p:cNvSpPr>
+            <a:spLocks/>
+          </p:cNvSpPr>
+          <p:nvPr/>
+        </p:nvSpPr>
+        <p:spPr>
+          <a:xfrm>
+            <a:off x="5178780" y="4103285"/>
+            <a:ext cx="1972440" cy="684379"/>
+          </a:xfrm>
+          <a:prstGeom prst="roundRect">
+            <a:avLst>
+              <a:gd name="adj" fmla="val 50000"/>
+            </a:avLst>
+          </a:prstGeom>
+          <a:solidFill>
+            <a:schemeClr val="tx1"/>
+          </a:solidFill>
+          <a:ln>
+            <a:solidFill>
+              <a:srgbClr val="3689B5"/>
+            </a:solidFill>
+          </a:ln>
+        </p:spPr>
+        <p:style>
+          <a:lnRef idx="2">
+            <a:schemeClr val="accent1">
+              <a:shade val="50000"/>
+            </a:schemeClr>
+          </a:lnRef>
+          <a:fillRef idx="1">
+            <a:schemeClr val="accent1"/>
+          </a:fillRef>
+          <a:effectRef idx="0">
+            <a:schemeClr val="accent1"/>
+          </a:effectRef>
+          <a:fontRef idx="minor">
+            <a:schemeClr val="lt1"/>
+          </a:fontRef>
+        </p:style>
+        <p:txBody>
+          <a:bodyPr wrap="none" rtlCol="0" anchor="ctr"/>
+          <a:lstStyle/>
+          <a:p>
+            <a:pPr algn="ctr"/>
+            <a:r>
+              <a:rPr lang="nl-NL" sz="2000" dirty="0">
+                <a:latin typeface="Arial" panose="020B0604020202020204" pitchFamily="34" charset="0"/>
+                <a:cs typeface="Arial" panose="020B0604020202020204" pitchFamily="34" charset="0"/>
+              </a:rPr>
+              <a:t>ZWART</a:t>
+            </a:r>
+          </a:p>
+        </p:txBody>
+      </p:sp>
+      <p:sp>
+        <p:nvSpPr>
+          <p:cNvPr id="155" name="Afgeronde rechthoek 154">
+            <a:extLst>
+              <a:ext uri="{FF2B5EF4-FFF2-40B4-BE49-F238E27FC236}">
+                <a16:creationId xmlns:a16="http://schemas.microsoft.com/office/drawing/2014/main" id="{C7A95002-1325-9540-BAB9-B390CB36C17C}"/>
+              </a:ext>
+            </a:extLst>
+          </p:cNvPr>
+          <p:cNvSpPr>
+            <a:spLocks/>
+          </p:cNvSpPr>
+          <p:nvPr/>
+        </p:nvSpPr>
+        <p:spPr>
+          <a:xfrm>
+            <a:off x="5178780" y="5813285"/>
+            <a:ext cx="1972440" cy="684379"/>
+          </a:xfrm>
+          <a:prstGeom prst="roundRect">
+            <a:avLst>
+              <a:gd name="adj" fmla="val 50000"/>
+            </a:avLst>
+          </a:prstGeom>
+          <a:solidFill>
+            <a:srgbClr val="5AFF5A"/>
+          </a:solidFill>
+          <a:ln>
+            <a:solidFill>
+              <a:srgbClr val="3689B5"/>
+            </a:solidFill>
+          </a:ln>
+        </p:spPr>
+        <p:style>
+          <a:lnRef idx="2">
+            <a:schemeClr val="accent1">
+              <a:shade val="50000"/>
+            </a:schemeClr>
+          </a:lnRef>
+          <a:fillRef idx="1">
+            <a:schemeClr val="accent1"/>
+          </a:fillRef>
+          <a:effectRef idx="0">
+            <a:schemeClr val="accent1"/>
+          </a:effectRef>
+          <a:fontRef idx="minor">
+            <a:schemeClr val="lt1"/>
+          </a:fontRef>
+        </p:style>
+        <p:txBody>
+          <a:bodyPr wrap="none" rtlCol="0" anchor="ctr"/>
+          <a:lstStyle/>
+          <a:p>
+            <a:pPr algn="ctr"/>
+            <a:r>
+              <a:rPr lang="nl-NL" sz="2000" dirty="0">
+                <a:solidFill>
+                  <a:schemeClr val="tx1"/>
+                </a:solidFill>
+                <a:latin typeface="Arial" panose="020B0604020202020204" pitchFamily="34" charset="0"/>
+                <a:cs typeface="Arial" panose="020B0604020202020204" pitchFamily="34" charset="0"/>
+              </a:rPr>
+              <a:t>LIMOEN</a:t>
+            </a:r>
+          </a:p>
+        </p:txBody>
+      </p:sp>
+      <p:sp>
+        <p:nvSpPr>
+          <p:cNvPr id="156" name="Afgeronde rechthoek 155">
+            <a:extLst>
+              <a:ext uri="{FF2B5EF4-FFF2-40B4-BE49-F238E27FC236}">
+                <a16:creationId xmlns:a16="http://schemas.microsoft.com/office/drawing/2014/main" id="{37A7D79D-1FC7-CD45-BF80-A2EBAB8B1B68}"/>
+              </a:ext>
+            </a:extLst>
+          </p:cNvPr>
+          <p:cNvSpPr/>
+          <p:nvPr/>
+        </p:nvSpPr>
+        <p:spPr>
+          <a:xfrm>
+            <a:off x="7396200" y="3439897"/>
+            <a:ext cx="2466000" cy="1710000"/>
+          </a:xfrm>
+          <a:prstGeom prst="roundRect">
+            <a:avLst>
+              <a:gd name="adj" fmla="val 5578"/>
+            </a:avLst>
+          </a:prstGeom>
+          <a:solidFill>
+            <a:srgbClr val="5CA1C7"/>
+          </a:solidFill>
+          <a:ln>
+            <a:solidFill>
+              <a:schemeClr val="bg1"/>
+            </a:solidFill>
+          </a:ln>
+        </p:spPr>
+        <p:style>
+          <a:lnRef idx="2">
+            <a:schemeClr val="accent1">
+              <a:shade val="50000"/>
+            </a:schemeClr>
+          </a:lnRef>
+          <a:fillRef idx="1">
+            <a:schemeClr val="accent1"/>
+          </a:fillRef>
+          <a:effectRef idx="0">
+            <a:schemeClr val="accent1"/>
+          </a:effectRef>
+          <a:fontRef idx="minor">
+            <a:schemeClr val="lt1"/>
+          </a:fontRef>
+        </p:style>
+        <p:txBody>
+          <a:bodyPr rtlCol="0" anchor="t"/>
+          <a:lstStyle/>
+          <a:p>
+            <a:pPr algn="ctr"/>
+            <a:r>
+              <a:rPr lang="nl-NL" sz="1500" b="1" dirty="0">
+                <a:latin typeface="Bradley Hand ITC" panose="03070402050302030203" pitchFamily="66" charset="77"/>
+                <a:cs typeface="Jokerman" panose="020F0502020204030204" pitchFamily="34" charset="0"/>
+              </a:rPr>
+              <a:t>Signaal</a:t>
+            </a:r>
+          </a:p>
+        </p:txBody>
+      </p:sp>
+      <p:sp>
+        <p:nvSpPr>
+          <p:cNvPr id="157" name="Afgeronde rechthoek 156">
+            <a:extLst>
+              <a:ext uri="{FF2B5EF4-FFF2-40B4-BE49-F238E27FC236}">
+                <a16:creationId xmlns:a16="http://schemas.microsoft.com/office/drawing/2014/main" id="{D1CA4A6B-7F2D-FF4A-982D-5759D7F37E0B}"/>
+              </a:ext>
+            </a:extLst>
+          </p:cNvPr>
+          <p:cNvSpPr/>
+          <p:nvPr/>
+        </p:nvSpPr>
+        <p:spPr>
+          <a:xfrm>
+            <a:off x="7439400" y="3799897"/>
+            <a:ext cx="2376000" cy="1260000"/>
+          </a:xfrm>
+          <a:prstGeom prst="roundRect">
+            <a:avLst>
+              <a:gd name="adj" fmla="val 5578"/>
+            </a:avLst>
+          </a:prstGeom>
+          <a:solidFill>
+            <a:srgbClr val="F9F9F9"/>
+          </a:solidFill>
+          <a:ln>
+            <a:noFill/>
+          </a:ln>
+        </p:spPr>
+        <p:style>
+          <a:lnRef idx="2">
+            <a:schemeClr val="accent1">
+              <a:shade val="50000"/>
+            </a:schemeClr>
+          </a:lnRef>
+          <a:fillRef idx="1">
+            <a:schemeClr val="accent1"/>
+          </a:fillRef>
+          <a:effectRef idx="0">
+            <a:schemeClr val="accent1"/>
+          </a:effectRef>
+          <a:fontRef idx="minor">
+            <a:schemeClr val="lt1"/>
+          </a:fontRef>
+        </p:style>
+        <p:txBody>
+          <a:bodyPr rtlCol="0" anchor="ctr"/>
+          <a:lstStyle/>
+          <a:p>
+            <a:pPr algn="ctr"/>
+            <a:endParaRPr lang="nl-NL"/>
+          </a:p>
+        </p:txBody>
+      </p:sp>
+      <p:sp>
+        <p:nvSpPr>
+          <p:cNvPr id="158" name="Afgeronde rechthoek 157">
+            <a:extLst>
+              <a:ext uri="{FF2B5EF4-FFF2-40B4-BE49-F238E27FC236}">
+                <a16:creationId xmlns:a16="http://schemas.microsoft.com/office/drawing/2014/main" id="{27DCDC58-6BCB-BE48-8916-4E622046407D}"/>
+              </a:ext>
+            </a:extLst>
+          </p:cNvPr>
+          <p:cNvSpPr/>
+          <p:nvPr/>
+        </p:nvSpPr>
+        <p:spPr>
+          <a:xfrm>
+            <a:off x="7396200" y="5148243"/>
+            <a:ext cx="2466000" cy="1711654"/>
+          </a:xfrm>
+          <a:prstGeom prst="roundRect">
+            <a:avLst>
+              <a:gd name="adj" fmla="val 5578"/>
+            </a:avLst>
+          </a:prstGeom>
+          <a:solidFill>
+            <a:srgbClr val="5CA1C7"/>
+          </a:solidFill>
+          <a:ln>
+            <a:solidFill>
+              <a:schemeClr val="bg1"/>
+            </a:solidFill>
+          </a:ln>
+        </p:spPr>
+        <p:style>
+          <a:lnRef idx="2">
+            <a:schemeClr val="accent1">
+              <a:shade val="50000"/>
+            </a:schemeClr>
+          </a:lnRef>
+          <a:fillRef idx="1">
+            <a:schemeClr val="accent1"/>
+          </a:fillRef>
+          <a:effectRef idx="0">
+            <a:schemeClr val="accent1"/>
+          </a:effectRef>
+          <a:fontRef idx="minor">
+            <a:schemeClr val="lt1"/>
+          </a:fontRef>
+        </p:style>
+        <p:txBody>
+          <a:bodyPr rtlCol="0" anchor="t"/>
+          <a:lstStyle/>
+          <a:p>
+            <a:pPr algn="ctr"/>
+            <a:r>
+              <a:rPr lang="nl-NL" sz="1500" b="1" dirty="0">
+                <a:latin typeface="Bradley Hand ITC" panose="03070402050302030203" pitchFamily="66" charset="77"/>
+                <a:cs typeface="Jokerman" panose="020F0502020204030204" pitchFamily="34" charset="0"/>
+              </a:rPr>
+              <a:t>Signaal</a:t>
+            </a:r>
+          </a:p>
+        </p:txBody>
+      </p:sp>
+      <p:sp>
+        <p:nvSpPr>
+          <p:cNvPr id="159" name="Afgeronde rechthoek 158">
+            <a:extLst>
+              <a:ext uri="{FF2B5EF4-FFF2-40B4-BE49-F238E27FC236}">
+                <a16:creationId xmlns:a16="http://schemas.microsoft.com/office/drawing/2014/main" id="{94FC9C1A-1321-5042-BB96-629EC4F5A48D}"/>
+              </a:ext>
+            </a:extLst>
+          </p:cNvPr>
+          <p:cNvSpPr/>
+          <p:nvPr/>
+        </p:nvSpPr>
+        <p:spPr>
+          <a:xfrm>
+            <a:off x="7439400" y="5509897"/>
+            <a:ext cx="2376000" cy="1260000"/>
+          </a:xfrm>
+          <a:prstGeom prst="roundRect">
+            <a:avLst>
+              <a:gd name="adj" fmla="val 5578"/>
+            </a:avLst>
+          </a:prstGeom>
+          <a:solidFill>
+            <a:srgbClr val="F9F9F9"/>
+          </a:solidFill>
+          <a:ln>
+            <a:noFill/>
+          </a:ln>
+        </p:spPr>
+        <p:style>
+          <a:lnRef idx="2">
+            <a:schemeClr val="accent1">
+              <a:shade val="50000"/>
+            </a:schemeClr>
+          </a:lnRef>
+          <a:fillRef idx="1">
+            <a:schemeClr val="accent1"/>
+          </a:fillRef>
+          <a:effectRef idx="0">
+            <a:schemeClr val="accent1"/>
+          </a:effectRef>
+          <a:fontRef idx="minor">
+            <a:schemeClr val="lt1"/>
+          </a:fontRef>
+        </p:style>
+        <p:txBody>
+          <a:bodyPr rtlCol="0" anchor="ctr"/>
+          <a:lstStyle/>
+          <a:p>
+            <a:pPr algn="ctr"/>
+            <a:endParaRPr lang="nl-NL"/>
+          </a:p>
+        </p:txBody>
+      </p:sp>
+      <p:sp>
+        <p:nvSpPr>
+          <p:cNvPr id="162" name="Afgeronde rechthoek 161">
+            <a:extLst>
+              <a:ext uri="{FF2B5EF4-FFF2-40B4-BE49-F238E27FC236}">
+                <a16:creationId xmlns:a16="http://schemas.microsoft.com/office/drawing/2014/main" id="{F698323F-D928-B84F-A98F-9AA9742DF31A}"/>
+              </a:ext>
+            </a:extLst>
+          </p:cNvPr>
+          <p:cNvSpPr>
+            <a:spLocks/>
+          </p:cNvSpPr>
+          <p:nvPr/>
+        </p:nvSpPr>
+        <p:spPr>
+          <a:xfrm>
+            <a:off x="7642980" y="4103453"/>
+            <a:ext cx="1972440" cy="684379"/>
+          </a:xfrm>
+          <a:prstGeom prst="roundRect">
+            <a:avLst>
+              <a:gd name="adj" fmla="val 50000"/>
+            </a:avLst>
+          </a:prstGeom>
+          <a:solidFill>
+            <a:schemeClr val="bg1"/>
+          </a:solidFill>
+          <a:ln>
+            <a:solidFill>
+              <a:srgbClr val="3689B5"/>
+            </a:solidFill>
+          </a:ln>
+        </p:spPr>
+        <p:style>
+          <a:lnRef idx="2">
+            <a:schemeClr val="accent1">
+              <a:shade val="50000"/>
+            </a:schemeClr>
+          </a:lnRef>
+          <a:fillRef idx="1">
+            <a:schemeClr val="accent1"/>
+          </a:fillRef>
+          <a:effectRef idx="0">
+            <a:schemeClr val="accent1"/>
+          </a:effectRef>
+          <a:fontRef idx="minor">
+            <a:schemeClr val="lt1"/>
+          </a:fontRef>
+        </p:style>
+        <p:txBody>
+          <a:bodyPr wrap="none" rtlCol="0" anchor="ctr"/>
+          <a:lstStyle/>
+          <a:p>
+            <a:pPr algn="ctr"/>
+            <a:r>
+              <a:rPr lang="nl-NL" sz="2000" dirty="0">
+                <a:solidFill>
+                  <a:schemeClr val="tx1"/>
+                </a:solidFill>
+                <a:latin typeface="Arial" panose="020B0604020202020204" pitchFamily="34" charset="0"/>
+                <a:cs typeface="Arial" panose="020B0604020202020204" pitchFamily="34" charset="0"/>
+              </a:rPr>
+              <a:t>WIT</a:t>
+            </a:r>
+          </a:p>
+        </p:txBody>
+      </p:sp>
+      <p:sp>
+        <p:nvSpPr>
+          <p:cNvPr id="165" name="Afgeronde rechthoek 164">
+            <a:extLst>
+              <a:ext uri="{FF2B5EF4-FFF2-40B4-BE49-F238E27FC236}">
+                <a16:creationId xmlns:a16="http://schemas.microsoft.com/office/drawing/2014/main" id="{8E4416B3-1CFE-344E-98C5-0528603ED7D8}"/>
+              </a:ext>
+            </a:extLst>
+          </p:cNvPr>
+          <p:cNvSpPr>
+            <a:spLocks/>
+          </p:cNvSpPr>
+          <p:nvPr/>
+        </p:nvSpPr>
+        <p:spPr>
+          <a:xfrm>
+            <a:off x="7642980" y="5813453"/>
+            <a:ext cx="1972440" cy="684379"/>
+          </a:xfrm>
+          <a:prstGeom prst="roundRect">
+            <a:avLst>
+              <a:gd name="adj" fmla="val 50000"/>
+            </a:avLst>
+          </a:prstGeom>
+          <a:solidFill>
+            <a:schemeClr val="accent3"/>
+          </a:solidFill>
+          <a:ln>
+            <a:solidFill>
+              <a:srgbClr val="3689B5"/>
+            </a:solidFill>
+          </a:ln>
+        </p:spPr>
+        <p:style>
+          <a:lnRef idx="2">
+            <a:schemeClr val="accent1">
+              <a:shade val="50000"/>
+            </a:schemeClr>
+          </a:lnRef>
+          <a:fillRef idx="1">
+            <a:schemeClr val="accent1"/>
+          </a:fillRef>
+          <a:effectRef idx="0">
+            <a:schemeClr val="accent1"/>
+          </a:effectRef>
+          <a:fontRef idx="minor">
+            <a:schemeClr val="lt1"/>
+          </a:fontRef>
+        </p:style>
+        <p:txBody>
+          <a:bodyPr wrap="none" rtlCol="0" anchor="ctr"/>
+          <a:lstStyle/>
+          <a:p>
+            <a:pPr algn="ctr"/>
+            <a:r>
+              <a:rPr lang="nl-NL" sz="2000" dirty="0">
+                <a:latin typeface="Arial" panose="020B0604020202020204" pitchFamily="34" charset="0"/>
+                <a:cs typeface="Arial" panose="020B0604020202020204" pitchFamily="34" charset="0"/>
+              </a:rPr>
+              <a:t>GRIJS</a:t>
+            </a:r>
+          </a:p>
+        </p:txBody>
+      </p:sp>
+    </p:spTree>
+    <p:extLst>
+      <p:ext uri="{BB962C8B-B14F-4D97-AF65-F5344CB8AC3E}">
+        <p14:creationId xmlns:p14="http://schemas.microsoft.com/office/powerpoint/2010/main" val="2345795375"/>
+      </p:ext>
+    </p:extLst>
+  </p:cSld>
+  <p:clrMapOvr>
+    <a:masterClrMapping/>
+  </p:clrMapOvr>
+</p:sld>
+</file>
+
+<file path=ppt/slides/slide5.xml><?xml version="1.0" encoding="utf-8"?>
+<p:sld xmlns:a="http://schemas.openxmlformats.org/drawingml/2006/main" xmlns:r="http://schemas.openxmlformats.org/officeDocument/2006/relationships" xmlns:p="http://schemas.openxmlformats.org/presentationml/2006/main">
+  <p:cSld>
+    <p:spTree>
+      <p:nvGrpSpPr>
+        <p:cNvPr id="1" name=""/>
+        <p:cNvGrpSpPr/>
+        <p:nvPr/>
+      </p:nvGrpSpPr>
+      <p:grpSpPr>
+        <a:xfrm>
+          <a:off x="0" y="0"/>
+          <a:ext cx="0" cy="0"/>
+          <a:chOff x="0" y="0"/>
+          <a:chExt cx="0" cy="0"/>
+        </a:xfrm>
+      </p:grpSpPr>
+      <p:sp>
+        <p:nvSpPr>
           <p:cNvPr id="3" name="Afgeronde rechthoek 2">
             <a:extLst>
               <a:ext uri="{FF2B5EF4-FFF2-40B4-BE49-F238E27FC236}">
@@ -15682,7 +18608,7 @@
 </p:sld>
 </file>
 
-<file path=ppt/slides/slide5.xml><?xml version="1.0" encoding="utf-8"?>
+<file path=ppt/slides/slide6.xml><?xml version="1.0" encoding="utf-8"?>
 <p:sld xmlns:a="http://schemas.openxmlformats.org/drawingml/2006/main" xmlns:r="http://schemas.openxmlformats.org/officeDocument/2006/relationships" xmlns:p="http://schemas.openxmlformats.org/presentationml/2006/main">
   <p:cSld>
     <p:spTree>
